--- a/slides/06_linear_regression.pptx
+++ b/slides/06_linear_regression.pptx
@@ -8,7 +8,7 @@
     <p:sldMasterId id="2147484120" r:id="rId4"/>
   </p:sldMasterIdLst>
   <p:notesMasterIdLst>
-    <p:notesMasterId r:id="rId84"/>
+    <p:notesMasterId r:id="rId82"/>
   </p:notesMasterIdLst>
   <p:sldIdLst>
     <p:sldId id="258" r:id="rId5"/>
@@ -86,10 +86,8 @@
     <p:sldId id="493" r:id="rId77"/>
     <p:sldId id="526" r:id="rId78"/>
     <p:sldId id="527" r:id="rId79"/>
-    <p:sldId id="528" r:id="rId80"/>
+    <p:sldId id="566" r:id="rId80"/>
     <p:sldId id="529" r:id="rId81"/>
-    <p:sldId id="441" r:id="rId82"/>
-    <p:sldId id="524" r:id="rId83"/>
   </p:sldIdLst>
   <p:sldSz cx="9363075" cy="5257800"/>
   <p:notesSz cx="6858000" cy="9144000"/>
@@ -312,7 +310,7 @@
           <a:p>
             <a:fld id="{DB92F479-4B50-F243-9713-1B12EC2B4BDB}" type="datetimeFigureOut">
               <a:rPr lang="en-US" smtClean="0"/>
-              <a:t>10/21/2014</a:t>
+              <a:t>10/25/2014</a:t>
             </a:fld>
             <a:endParaRPr lang="en-US"/>
           </a:p>
@@ -624,31 +622,6 @@
           <a:bodyPr/>
           <a:lstStyle/>
           <a:p>
-            <a:r>
-              <a:rPr lang="en-US" dirty="0" smtClean="0"/>
-              <a:t>~15-20 min on initial</a:t>
-            </a:r>
-            <a:r>
-              <a:rPr lang="en-US" baseline="0" dirty="0" smtClean="0"/>
-              <a:t> </a:t>
-            </a:r>
-            <a:r>
-              <a:rPr lang="en-US" dirty="0" smtClean="0"/>
-              <a:t>stuff</a:t>
-            </a:r>
-          </a:p>
-          <a:p>
-            <a:endParaRPr lang="en-US" dirty="0" smtClean="0"/>
-          </a:p>
-          <a:p>
-            <a:r>
-              <a:rPr lang="en-US" dirty="0" smtClean="0"/>
-              <a:t>Note: example DS</a:t>
-            </a:r>
-            <a:r>
-              <a:rPr lang="en-US" baseline="0" dirty="0" smtClean="0"/>
-              <a:t> problem…write down some features, how could you build a predictive model from these?</a:t>
-            </a:r>
             <a:endParaRPr lang="en-US" dirty="0"/>
           </a:p>
         </p:txBody>
@@ -3828,10 +3801,6 @@
           <a:bodyPr/>
           <a:lstStyle/>
           <a:p>
-            <a:r>
-              <a:rPr lang="en-US" dirty="0" smtClean="0"/>
-              <a:t>~15-20 min for this section?</a:t>
-            </a:r>
             <a:endParaRPr lang="en-US" dirty="0"/>
           </a:p>
         </p:txBody>
@@ -11325,336 +11294,6 @@
             <a:fld id="{ADD4B5B7-85EF-4E48-AC80-2380FACD9C23}" type="slidenum">
               <a:rPr lang="en-US" smtClean="0"/>
               <a:t>77</a:t>
-            </a:fld>
-            <a:endParaRPr lang="en-US"/>
-          </a:p>
-        </p:txBody>
-      </p:sp>
-    </p:spTree>
-    <p:extLst>
-      <p:ext uri="{BB962C8B-B14F-4D97-AF65-F5344CB8AC3E}">
-        <p14:creationId xmlns:p14="http://schemas.microsoft.com/office/powerpoint/2010/main" val="645762702"/>
-      </p:ext>
-    </p:extLst>
-  </p:cSld>
-  <p:clrMapOvr>
-    <a:masterClrMapping/>
-  </p:clrMapOvr>
-</p:notes>
-</file>
-
-<file path=ppt/notesSlides/notesSlide78.xml><?xml version="1.0" encoding="utf-8"?>
-<p:notes xmlns:a="http://schemas.openxmlformats.org/drawingml/2006/main" xmlns:r="http://schemas.openxmlformats.org/officeDocument/2006/relationships" xmlns:p="http://schemas.openxmlformats.org/presentationml/2006/main">
-  <p:cSld>
-    <p:spTree>
-      <p:nvGrpSpPr>
-        <p:cNvPr id="1" name=""/>
-        <p:cNvGrpSpPr/>
-        <p:nvPr/>
-      </p:nvGrpSpPr>
-      <p:grpSpPr>
-        <a:xfrm>
-          <a:off x="0" y="0"/>
-          <a:ext cx="0" cy="0"/>
-          <a:chOff x="0" y="0"/>
-          <a:chExt cx="0" cy="0"/>
-        </a:xfrm>
-      </p:grpSpPr>
-      <p:sp>
-        <p:nvSpPr>
-          <p:cNvPr id="2" name="Slide Image Placeholder 1"/>
-          <p:cNvSpPr>
-            <a:spLocks noGrp="1" noRot="1" noChangeAspect="1"/>
-          </p:cNvSpPr>
-          <p:nvPr>
-            <p:ph type="sldImg"/>
-          </p:nvPr>
-        </p:nvSpPr>
-        <p:spPr/>
-      </p:sp>
-      <p:sp>
-        <p:nvSpPr>
-          <p:cNvPr id="3" name="Notes Placeholder 2"/>
-          <p:cNvSpPr>
-            <a:spLocks noGrp="1"/>
-          </p:cNvSpPr>
-          <p:nvPr>
-            <p:ph type="body" idx="1"/>
-          </p:nvPr>
-        </p:nvSpPr>
-        <p:spPr/>
-        <p:txBody>
-          <a:bodyPr/>
-          <a:lstStyle/>
-          <a:p>
-            <a:pPr marL="0" marR="0" indent="0" algn="l" defTabSz="457200" rtl="0" eaLnBrk="1" fontAlgn="auto" latinLnBrk="0" hangingPunct="1">
-              <a:lnSpc>
-                <a:spcPct val="100000"/>
-              </a:lnSpc>
-              <a:spcBef>
-                <a:spcPts val="0"/>
-              </a:spcBef>
-              <a:spcAft>
-                <a:spcPts val="0"/>
-              </a:spcAft>
-              <a:buClrTx/>
-              <a:buSzTx/>
-              <a:buFontTx/>
-              <a:buNone/>
-              <a:tabLst/>
-              <a:defRPr/>
-            </a:pPr>
-            <a:r>
-              <a:rPr lang="en-US" sz="1200" baseline="0" dirty="0" smtClean="0">
-                <a:solidFill>
-                  <a:prstClr val="black"/>
-                </a:solidFill>
-                <a:latin typeface="ArialMT"/>
-                <a:sym typeface="Wingdings"/>
-              </a:rPr>
-              <a:t>Error term, disturbance</a:t>
-            </a:r>
-          </a:p>
-          <a:p>
-            <a:pPr marL="0" marR="0" indent="0" algn="l" defTabSz="457200" rtl="0" eaLnBrk="1" fontAlgn="auto" latinLnBrk="0" hangingPunct="1">
-              <a:lnSpc>
-                <a:spcPct val="100000"/>
-              </a:lnSpc>
-              <a:spcBef>
-                <a:spcPts val="0"/>
-              </a:spcBef>
-              <a:spcAft>
-                <a:spcPts val="0"/>
-              </a:spcAft>
-              <a:buClrTx/>
-              <a:buSzTx/>
-              <a:buFontTx/>
-              <a:buNone/>
-              <a:tabLst/>
-              <a:defRPr/>
-            </a:pPr>
-            <a:endParaRPr lang="en-US" sz="1200" baseline="0" dirty="0" smtClean="0">
-              <a:solidFill>
-                <a:prstClr val="black"/>
-              </a:solidFill>
-              <a:latin typeface="ArialMT"/>
-              <a:sym typeface="Wingdings"/>
-            </a:endParaRPr>
-          </a:p>
-          <a:p>
-            <a:pPr marL="0" marR="0" indent="0" algn="l" defTabSz="457200" rtl="0" eaLnBrk="1" fontAlgn="auto" latinLnBrk="0" hangingPunct="1">
-              <a:lnSpc>
-                <a:spcPct val="100000"/>
-              </a:lnSpc>
-              <a:spcBef>
-                <a:spcPts val="0"/>
-              </a:spcBef>
-              <a:spcAft>
-                <a:spcPts val="0"/>
-              </a:spcAft>
-              <a:buClrTx/>
-              <a:buSzTx/>
-              <a:buFontTx/>
-              <a:buNone/>
-              <a:tabLst/>
-              <a:defRPr/>
-            </a:pPr>
-            <a:r>
-              <a:rPr lang="en-US" sz="1200" baseline="0" dirty="0" smtClean="0">
-                <a:solidFill>
-                  <a:prstClr val="black"/>
-                </a:solidFill>
-                <a:latin typeface="ArialMT"/>
-                <a:sym typeface="Wingdings"/>
-              </a:rPr>
-              <a:t>White noise (usually assumed to follow Gaussian distribution)</a:t>
-            </a:r>
-          </a:p>
-        </p:txBody>
-      </p:sp>
-      <p:sp>
-        <p:nvSpPr>
-          <p:cNvPr id="4" name="Slide Number Placeholder 3"/>
-          <p:cNvSpPr>
-            <a:spLocks noGrp="1"/>
-          </p:cNvSpPr>
-          <p:nvPr>
-            <p:ph type="sldNum" sz="quarter" idx="10"/>
-          </p:nvPr>
-        </p:nvSpPr>
-        <p:spPr/>
-        <p:txBody>
-          <a:bodyPr/>
-          <a:lstStyle/>
-          <a:p>
-            <a:fld id="{ADD4B5B7-85EF-4E48-AC80-2380FACD9C23}" type="slidenum">
-              <a:rPr lang="en-US" smtClean="0"/>
-              <a:t>78</a:t>
-            </a:fld>
-            <a:endParaRPr lang="en-US"/>
-          </a:p>
-        </p:txBody>
-      </p:sp>
-    </p:spTree>
-    <p:extLst>
-      <p:ext uri="{BB962C8B-B14F-4D97-AF65-F5344CB8AC3E}">
-        <p14:creationId xmlns:p14="http://schemas.microsoft.com/office/powerpoint/2010/main" val="645762702"/>
-      </p:ext>
-    </p:extLst>
-  </p:cSld>
-  <p:clrMapOvr>
-    <a:masterClrMapping/>
-  </p:clrMapOvr>
-</p:notes>
-</file>
-
-<file path=ppt/notesSlides/notesSlide79.xml><?xml version="1.0" encoding="utf-8"?>
-<p:notes xmlns:a="http://schemas.openxmlformats.org/drawingml/2006/main" xmlns:r="http://schemas.openxmlformats.org/officeDocument/2006/relationships" xmlns:p="http://schemas.openxmlformats.org/presentationml/2006/main">
-  <p:cSld>
-    <p:spTree>
-      <p:nvGrpSpPr>
-        <p:cNvPr id="1" name=""/>
-        <p:cNvGrpSpPr/>
-        <p:nvPr/>
-      </p:nvGrpSpPr>
-      <p:grpSpPr>
-        <a:xfrm>
-          <a:off x="0" y="0"/>
-          <a:ext cx="0" cy="0"/>
-          <a:chOff x="0" y="0"/>
-          <a:chExt cx="0" cy="0"/>
-        </a:xfrm>
-      </p:grpSpPr>
-      <p:sp>
-        <p:nvSpPr>
-          <p:cNvPr id="2" name="Slide Image Placeholder 1"/>
-          <p:cNvSpPr>
-            <a:spLocks noGrp="1" noRot="1" noChangeAspect="1"/>
-          </p:cNvSpPr>
-          <p:nvPr>
-            <p:ph type="sldImg"/>
-          </p:nvPr>
-        </p:nvSpPr>
-        <p:spPr/>
-      </p:sp>
-      <p:sp>
-        <p:nvSpPr>
-          <p:cNvPr id="3" name="Notes Placeholder 2"/>
-          <p:cNvSpPr>
-            <a:spLocks noGrp="1"/>
-          </p:cNvSpPr>
-          <p:nvPr>
-            <p:ph type="body" idx="1"/>
-          </p:nvPr>
-        </p:nvSpPr>
-        <p:spPr/>
-        <p:txBody>
-          <a:bodyPr/>
-          <a:lstStyle/>
-          <a:p>
-            <a:pPr marL="0" marR="0" indent="0" algn="l" defTabSz="457200" rtl="0" eaLnBrk="1" fontAlgn="auto" latinLnBrk="0" hangingPunct="1">
-              <a:lnSpc>
-                <a:spcPct val="100000"/>
-              </a:lnSpc>
-              <a:spcBef>
-                <a:spcPts val="0"/>
-              </a:spcBef>
-              <a:spcAft>
-                <a:spcPts val="0"/>
-              </a:spcAft>
-              <a:buClrTx/>
-              <a:buSzTx/>
-              <a:buFontTx/>
-              <a:buNone/>
-              <a:tabLst/>
-              <a:defRPr/>
-            </a:pPr>
-            <a:r>
-              <a:rPr lang="en-US" sz="1200" baseline="0" dirty="0" smtClean="0">
-                <a:solidFill>
-                  <a:prstClr val="black"/>
-                </a:solidFill>
-                <a:latin typeface="ArialMT"/>
-                <a:sym typeface="Wingdings"/>
-              </a:rPr>
-              <a:t>Error term, disturbance</a:t>
-            </a:r>
-          </a:p>
-          <a:p>
-            <a:pPr marL="0" marR="0" indent="0" algn="l" defTabSz="457200" rtl="0" eaLnBrk="1" fontAlgn="auto" latinLnBrk="0" hangingPunct="1">
-              <a:lnSpc>
-                <a:spcPct val="100000"/>
-              </a:lnSpc>
-              <a:spcBef>
-                <a:spcPts val="0"/>
-              </a:spcBef>
-              <a:spcAft>
-                <a:spcPts val="0"/>
-              </a:spcAft>
-              <a:buClrTx/>
-              <a:buSzTx/>
-              <a:buFontTx/>
-              <a:buNone/>
-              <a:tabLst/>
-              <a:defRPr/>
-            </a:pPr>
-            <a:endParaRPr lang="en-US" sz="1200" baseline="0" dirty="0" smtClean="0">
-              <a:solidFill>
-                <a:prstClr val="black"/>
-              </a:solidFill>
-              <a:latin typeface="ArialMT"/>
-              <a:sym typeface="Wingdings"/>
-            </a:endParaRPr>
-          </a:p>
-          <a:p>
-            <a:pPr marL="0" marR="0" indent="0" algn="l" defTabSz="457200" rtl="0" eaLnBrk="1" fontAlgn="auto" latinLnBrk="0" hangingPunct="1">
-              <a:lnSpc>
-                <a:spcPct val="100000"/>
-              </a:lnSpc>
-              <a:spcBef>
-                <a:spcPts val="0"/>
-              </a:spcBef>
-              <a:spcAft>
-                <a:spcPts val="0"/>
-              </a:spcAft>
-              <a:buClrTx/>
-              <a:buSzTx/>
-              <a:buFontTx/>
-              <a:buNone/>
-              <a:tabLst/>
-              <a:defRPr/>
-            </a:pPr>
-            <a:r>
-              <a:rPr lang="en-US" sz="1200" baseline="0" dirty="0" smtClean="0">
-                <a:solidFill>
-                  <a:prstClr val="black"/>
-                </a:solidFill>
-                <a:latin typeface="ArialMT"/>
-                <a:sym typeface="Wingdings"/>
-              </a:rPr>
-              <a:t>White noise (usually assumed to follow Gaussian distribution)</a:t>
-            </a:r>
-          </a:p>
-        </p:txBody>
-      </p:sp>
-      <p:sp>
-        <p:nvSpPr>
-          <p:cNvPr id="4" name="Slide Number Placeholder 3"/>
-          <p:cNvSpPr>
-            <a:spLocks noGrp="1"/>
-          </p:cNvSpPr>
-          <p:nvPr>
-            <p:ph type="sldNum" sz="quarter" idx="10"/>
-          </p:nvPr>
-        </p:nvSpPr>
-        <p:spPr/>
-        <p:txBody>
-          <a:bodyPr/>
-          <a:lstStyle/>
-          <a:p>
-            <a:fld id="{ADD4B5B7-85EF-4E48-AC80-2380FACD9C23}" type="slidenum">
-              <a:rPr lang="en-US" smtClean="0"/>
-              <a:t>79</a:t>
             </a:fld>
             <a:endParaRPr lang="en-US"/>
           </a:p>
@@ -20504,7 +20143,15 @@
             </a:br>
             <a:r>
               <a:rPr lang="en-US" sz="6000" dirty="0" smtClean="0"/>
-              <a:t>Class 6: Linear regression</a:t>
+              <a:t>Class </a:t>
+            </a:r>
+            <a:r>
+              <a:rPr lang="en-US" sz="6000" dirty="0" smtClean="0"/>
+              <a:t>6: </a:t>
+            </a:r>
+            <a:r>
+              <a:rPr lang="en-US" sz="6000" dirty="0" smtClean="0"/>
+              <a:t>Linear regression</a:t>
             </a:r>
             <a:endParaRPr lang="en-US" sz="6000" dirty="0"/>
           </a:p>
@@ -21226,19 +20873,8 @@
                 <a:latin typeface="PFDinTextCompPro-Italic"/>
                 <a:cs typeface="PFDinTextCompPro-Italic"/>
               </a:rPr>
-              <a:t> (the model </a:t>
-            </a:r>
-            <a:r>
-              <a:rPr lang="en-US" sz="3000" dirty="0" smtClean="0">
-                <a:latin typeface="PFDinTextCompPro-Italic"/>
-                <a:cs typeface="PFDinTextCompPro-Italic"/>
-              </a:rPr>
-              <a:t>parameter)</a:t>
-            </a:r>
-            <a:endParaRPr lang="en-US" sz="3000" dirty="0" smtClean="0">
-              <a:latin typeface="PFDinTextCompPro-Italic"/>
-              <a:cs typeface="PFDinTextCompPro-Italic"/>
-            </a:endParaRPr>
+              <a:t> (the model parameter)</a:t>
+            </a:r>
           </a:p>
         </p:txBody>
       </p:sp>
@@ -24300,7 +23936,7 @@
           <a:graphicData uri="http://schemas.openxmlformats.org/presentationml/2006/ole">
             <mc:AlternateContent xmlns:mc="http://schemas.openxmlformats.org/markup-compatibility/2006">
               <mc:Choice xmlns:v="urn:schemas-microsoft-com:vml" Requires="v">
-                <p:oleObj spid="_x0000_s28782" name="Equation" r:id="rId4" imgW="253800" imgH="241200" progId="Equation.3">
+                <p:oleObj spid="_x0000_s28815" name="Equation" r:id="rId4" imgW="253800" imgH="241200" progId="Equation.3">
                   <p:embed/>
                 </p:oleObj>
               </mc:Choice>
@@ -24489,14 +24125,7 @@
                 <a:latin typeface="PFDinTextCompPro-Italic"/>
                 <a:cs typeface="PFDinTextCompPro-Italic"/>
               </a:rPr>
-              <a:t>Q: </a:t>
-            </a:r>
-            <a:r>
-              <a:rPr lang="en-US" sz="3000" dirty="0" smtClean="0">
-                <a:latin typeface="PFDinTextCompPro-Italic"/>
-                <a:cs typeface="PFDinTextCompPro-Italic"/>
-              </a:rPr>
-              <a:t>What is meant by estimates?</a:t>
+              <a:t>Q: What is meant by estimates?</a:t>
             </a:r>
           </a:p>
           <a:p>
@@ -24657,14 +24286,7 @@
                 <a:latin typeface="PFDinTextCompPro-Italic"/>
                 <a:cs typeface="PFDinTextCompPro-Italic"/>
               </a:rPr>
-              <a:t>Q: </a:t>
-            </a:r>
-            <a:r>
-              <a:rPr lang="en-US" sz="3000" dirty="0" smtClean="0">
-                <a:latin typeface="PFDinTextCompPro-Italic"/>
-                <a:cs typeface="PFDinTextCompPro-Italic"/>
-              </a:rPr>
-              <a:t>What is meant by estimates?</a:t>
+              <a:t>Q: What is meant by estimates?</a:t>
             </a:r>
           </a:p>
           <a:p>
@@ -25317,23 +24939,7 @@
                 <a:ea typeface="ヒラギノ角ゴ ProN W6" charset="0"/>
                 <a:cs typeface="ヒラギノ角ゴ ProN W6" charset="0"/>
               </a:rPr>
-              <a:t>0.   	</a:t>
-            </a:r>
-            <a:r>
-              <a:rPr lang="en-US" sz="3000" dirty="0" smtClean="0">
-                <a:latin typeface="PFDinTextCompPro-Bold" charset="0"/>
-                <a:ea typeface="ヒラギノ角ゴ ProN W6" charset="0"/>
-                <a:cs typeface="ヒラギノ角ゴ ProN W6" charset="0"/>
-              </a:rPr>
-              <a:t>BASIC FORM</a:t>
-            </a:r>
-            <a:r>
-              <a:rPr lang="en-US" sz="3000" dirty="0" smtClean="0">
-                <a:latin typeface="PFDinTextCompPro-Bold" charset="0"/>
-                <a:ea typeface="ヒラギノ角ゴ ProN W6" charset="0"/>
-                <a:cs typeface="ヒラギノ角ゴ ProN W6" charset="0"/>
-              </a:rPr>
-              <a:t/>
+              <a:t>0.   	BASIC FORM</a:t>
             </a:r>
             <a:br>
               <a:rPr lang="en-US" sz="3000" dirty="0" smtClean="0">
@@ -25393,7 +24999,15 @@
                 <a:ea typeface="ヒラギノ角ゴ ProN W6" charset="0"/>
                 <a:cs typeface="ヒラギノ角ゴ ProN W6" charset="0"/>
               </a:rPr>
-              <a:t>IV. 	CATEGORICAL VARIABLES</a:t>
+              <a:t>IV. 	CATEGORICAL </a:t>
+            </a:r>
+            <a:r>
+              <a:rPr lang="en-US" sz="3000" dirty="0" smtClean="0">
+                <a:latin typeface="PFDinTextCompPro-Bold" charset="0"/>
+                <a:ea typeface="ヒラギノ角ゴ ProN W6" charset="0"/>
+                <a:cs typeface="ヒラギノ角ゴ ProN W6" charset="0"/>
+              </a:rPr>
+              <a:t>VARIABLES</a:t>
             </a:r>
             <a:endParaRPr lang="en-US" sz="3000" cap="none" dirty="0">
               <a:latin typeface="PFDinTextCompPro-Bold" charset="0"/>
@@ -25608,14 +25222,7 @@
                 <a:latin typeface="PFDinTextCompPro-Italic"/>
                 <a:cs typeface="PFDinTextCompPro-Italic"/>
               </a:rPr>
-              <a:t>Q: </a:t>
-            </a:r>
-            <a:r>
-              <a:rPr lang="en-US" sz="3000" dirty="0" smtClean="0">
-                <a:latin typeface="PFDinTextCompPro-Italic"/>
-                <a:cs typeface="PFDinTextCompPro-Italic"/>
-              </a:rPr>
-              <a:t>What is meant by estimates?</a:t>
+              <a:t>Q: What is meant by estimates?</a:t>
             </a:r>
           </a:p>
           <a:p>
@@ -29862,7 +29469,7 @@
           <a:graphicData uri="http://schemas.openxmlformats.org/presentationml/2006/ole">
             <mc:AlternateContent xmlns:mc="http://schemas.openxmlformats.org/markup-compatibility/2006">
               <mc:Choice xmlns:v="urn:schemas-microsoft-com:vml" Requires="v">
-                <p:oleObj spid="_x0000_s38937" name="Equation" r:id="rId4" imgW="1549080" imgH="330120" progId="Equation.3">
+                <p:oleObj spid="_x0000_s38971" name="Equation" r:id="rId4" imgW="1549080" imgH="330120" progId="Equation.3">
                   <p:embed/>
                 </p:oleObj>
               </mc:Choice>
@@ -31459,7 +31066,7 @@
           <a:graphicData uri="http://schemas.openxmlformats.org/presentationml/2006/ole">
             <mc:AlternateContent xmlns:mc="http://schemas.openxmlformats.org/markup-compatibility/2006">
               <mc:Choice xmlns:v="urn:schemas-microsoft-com:vml" Requires="v">
-                <p:oleObj spid="_x0000_s40970" name="Equation" r:id="rId4" imgW="1549080" imgH="330120" progId="Equation.3">
+                <p:oleObj spid="_x0000_s41004" name="Equation" r:id="rId4" imgW="1549080" imgH="330120" progId="Equation.3">
                   <p:embed/>
                 </p:oleObj>
               </mc:Choice>
@@ -31667,14 +31274,7 @@
                 <a:latin typeface="PFDinTextCompPro-Italic"/>
                 <a:cs typeface="PFDinTextCompPro-Italic"/>
               </a:rPr>
-              <a:t>A: </a:t>
-            </a:r>
-            <a:r>
-              <a:rPr lang="en-US" sz="3000" dirty="0" smtClean="0">
-                <a:latin typeface="PFDinTextCompPro-Italic"/>
-                <a:cs typeface="PFDinTextCompPro-Italic"/>
-              </a:rPr>
-              <a:t>Through calculus, it can be shown that the following equation minimizes the sum of squared errors.</a:t>
+              <a:t>A: Through calculus, it can be shown that the following equation minimizes the sum of squared errors.</a:t>
             </a:r>
             <a:endParaRPr lang="en-US" sz="3000" dirty="0">
               <a:latin typeface="PFDinTextCompPro-Italic"/>
@@ -31705,7 +31305,7 @@
           <a:graphicData uri="http://schemas.openxmlformats.org/presentationml/2006/ole">
             <mc:AlternateContent xmlns:mc="http://schemas.openxmlformats.org/markup-compatibility/2006">
               <mc:Choice xmlns:v="urn:schemas-microsoft-com:vml" Requires="v">
-                <p:oleObj spid="_x0000_s18573" name="Equation" r:id="rId4" imgW="1155600" imgH="241200" progId="Equation.3">
+                <p:oleObj spid="_x0000_s18606" name="Equation" r:id="rId4" imgW="1155600" imgH="241200" progId="Equation.3">
                   <p:embed/>
                 </p:oleObj>
               </mc:Choice>
@@ -31889,7 +31489,7 @@
           <a:graphicData uri="http://schemas.openxmlformats.org/presentationml/2006/ole">
             <mc:AlternateContent xmlns:mc="http://schemas.openxmlformats.org/markup-compatibility/2006">
               <mc:Choice xmlns:v="urn:schemas-microsoft-com:vml" Requires="v">
-                <p:oleObj spid="_x0000_s19716" name="Equation" r:id="rId4" imgW="1041120" imgH="1143000" progId="Equation.3">
+                <p:oleObj spid="_x0000_s19782" name="Equation" r:id="rId4" imgW="1041120" imgH="1143000" progId="Equation.3">
                   <p:embed/>
                 </p:oleObj>
               </mc:Choice>
@@ -31953,7 +31553,7 @@
           <a:graphicData uri="http://schemas.openxmlformats.org/presentationml/2006/ole">
             <mc:AlternateContent xmlns:mc="http://schemas.openxmlformats.org/markup-compatibility/2006">
               <mc:Choice xmlns:v="urn:schemas-microsoft-com:vml" Requires="v">
-                <p:oleObj spid="_x0000_s19717" name="Equation" r:id="rId6" imgW="761760" imgH="1143000" progId="Equation.3">
+                <p:oleObj spid="_x0000_s19783" name="Equation" r:id="rId6" imgW="761760" imgH="1143000" progId="Equation.3">
                   <p:embed/>
                 </p:oleObj>
               </mc:Choice>
@@ -32188,7 +31788,7 @@
           <a:graphicData uri="http://schemas.openxmlformats.org/presentationml/2006/ole">
             <mc:AlternateContent xmlns:mc="http://schemas.openxmlformats.org/markup-compatibility/2006">
               <mc:Choice xmlns:v="urn:schemas-microsoft-com:vml" Requires="v">
-                <p:oleObj spid="_x0000_s21758" name="Equation" r:id="rId4" imgW="4851360" imgH="1143000" progId="Equation.3">
+                <p:oleObj spid="_x0000_s21824" name="Equation" r:id="rId4" imgW="4851360" imgH="1143000" progId="Equation.3">
                   <p:embed/>
                 </p:oleObj>
               </mc:Choice>
@@ -32252,7 +31852,7 @@
           <a:graphicData uri="http://schemas.openxmlformats.org/presentationml/2006/ole">
             <mc:AlternateContent xmlns:mc="http://schemas.openxmlformats.org/markup-compatibility/2006">
               <mc:Choice xmlns:v="urn:schemas-microsoft-com:vml" Requires="v">
-                <p:oleObj spid="_x0000_s21759" name="Equation" r:id="rId6" imgW="1155600" imgH="241200" progId="Equation.3">
+                <p:oleObj spid="_x0000_s21825" name="Equation" r:id="rId6" imgW="1155600" imgH="241200" progId="Equation.3">
                   <p:embed/>
                 </p:oleObj>
               </mc:Choice>
@@ -32539,7 +32139,7 @@
           <a:graphicData uri="http://schemas.openxmlformats.org/presentationml/2006/ole">
             <mc:AlternateContent xmlns:mc="http://schemas.openxmlformats.org/markup-compatibility/2006">
               <mc:Choice xmlns:v="urn:schemas-microsoft-com:vml" Requires="v">
-                <p:oleObj spid="_x0000_s25834" name="Equation" r:id="rId4" imgW="4851360" imgH="1143000" progId="Equation.3">
+                <p:oleObj spid="_x0000_s25900" name="Equation" r:id="rId4" imgW="4851360" imgH="1143000" progId="Equation.3">
                   <p:embed/>
                 </p:oleObj>
               </mc:Choice>
@@ -32603,7 +32203,7 @@
           <a:graphicData uri="http://schemas.openxmlformats.org/presentationml/2006/ole">
             <mc:AlternateContent xmlns:mc="http://schemas.openxmlformats.org/markup-compatibility/2006">
               <mc:Choice xmlns:v="urn:schemas-microsoft-com:vml" Requires="v">
-                <p:oleObj spid="_x0000_s25835" name="Equation" r:id="rId6" imgW="1155600" imgH="241200" progId="Equation.3">
+                <p:oleObj spid="_x0000_s25901" name="Equation" r:id="rId6" imgW="1155600" imgH="241200" progId="Equation.3">
                   <p:embed/>
                 </p:oleObj>
               </mc:Choice>
@@ -33071,7 +32671,7 @@
           <a:graphicData uri="http://schemas.openxmlformats.org/presentationml/2006/ole">
             <mc:AlternateContent xmlns:mc="http://schemas.openxmlformats.org/markup-compatibility/2006">
               <mc:Choice xmlns:v="urn:schemas-microsoft-com:vml" Requires="v">
-                <p:oleObj spid="_x0000_s22901" name="Equation" r:id="rId4" imgW="3835080" imgH="507960" progId="Equation.3">
+                <p:oleObj spid="_x0000_s23000" name="Equation" r:id="rId4" imgW="3835080" imgH="507960" progId="Equation.3">
                   <p:embed/>
                 </p:oleObj>
               </mc:Choice>
@@ -33135,7 +32735,7 @@
           <a:graphicData uri="http://schemas.openxmlformats.org/presentationml/2006/ole">
             <mc:AlternateContent xmlns:mc="http://schemas.openxmlformats.org/markup-compatibility/2006">
               <mc:Choice xmlns:v="urn:schemas-microsoft-com:vml" Requires="v">
-                <p:oleObj spid="_x0000_s22902" name="Equation" r:id="rId6" imgW="1155600" imgH="241200" progId="Equation.3">
+                <p:oleObj spid="_x0000_s23001" name="Equation" r:id="rId6" imgW="1155600" imgH="241200" progId="Equation.3">
                   <p:embed/>
                 </p:oleObj>
               </mc:Choice>
@@ -33416,7 +33016,7 @@
           <a:graphicData uri="http://schemas.openxmlformats.org/presentationml/2006/ole">
             <mc:AlternateContent xmlns:mc="http://schemas.openxmlformats.org/markup-compatibility/2006">
               <mc:Choice xmlns:v="urn:schemas-microsoft-com:vml" Requires="v">
-                <p:oleObj spid="_x0000_s22903" name="Equation" r:id="rId8" imgW="1981080" imgH="393480" progId="Equation.3">
+                <p:oleObj spid="_x0000_s23002" name="Equation" r:id="rId8" imgW="1981080" imgH="393480" progId="Equation.3">
                   <p:embed/>
                 </p:oleObj>
               </mc:Choice>
@@ -33617,11 +33217,7 @@
             </a:r>
             <a:r>
               <a:rPr lang="en-US" sz="6600" dirty="0" smtClean="0"/>
-              <a:t>. </a:t>
-            </a:r>
-            <a:r>
-              <a:rPr lang="en-US" sz="6600" dirty="0" smtClean="0"/>
-              <a:t>Basic Form</a:t>
+              <a:t>. Basic Form</a:t>
             </a:r>
             <a:endParaRPr lang="en-US" sz="6600" dirty="0"/>
           </a:p>
@@ -33791,7 +33387,7 @@
           <a:graphicData uri="http://schemas.openxmlformats.org/presentationml/2006/ole">
             <mc:AlternateContent xmlns:mc="http://schemas.openxmlformats.org/markup-compatibility/2006">
               <mc:Choice xmlns:v="urn:schemas-microsoft-com:vml" Requires="v">
-                <p:oleObj spid="_x0000_s24840" name="Equation" r:id="rId4" imgW="3949560" imgH="1143000" progId="Equation.3">
+                <p:oleObj spid="_x0000_s24906" name="Equation" r:id="rId4" imgW="3949560" imgH="1143000" progId="Equation.3">
                   <p:embed/>
                 </p:oleObj>
               </mc:Choice>
@@ -33855,7 +33451,7 @@
           <a:graphicData uri="http://schemas.openxmlformats.org/presentationml/2006/ole">
             <mc:AlternateContent xmlns:mc="http://schemas.openxmlformats.org/markup-compatibility/2006">
               <mc:Choice xmlns:v="urn:schemas-microsoft-com:vml" Requires="v">
-                <p:oleObj spid="_x0000_s24841" name="Equation" r:id="rId6" imgW="1155600" imgH="241200" progId="Equation.3">
+                <p:oleObj spid="_x0000_s24907" name="Equation" r:id="rId6" imgW="1155600" imgH="241200" progId="Equation.3">
                   <p:embed/>
                 </p:oleObj>
               </mc:Choice>
@@ -34091,7 +33687,7 @@
           <a:graphicData uri="http://schemas.openxmlformats.org/presentationml/2006/ole">
             <mc:AlternateContent xmlns:mc="http://schemas.openxmlformats.org/markup-compatibility/2006">
               <mc:Choice xmlns:v="urn:schemas-microsoft-com:vml" Requires="v">
-                <p:oleObj spid="_x0000_s27873" name="Equation" r:id="rId4" imgW="1155600" imgH="241200" progId="Equation.3">
+                <p:oleObj spid="_x0000_s27939" name="Equation" r:id="rId4" imgW="1155600" imgH="241200" progId="Equation.3">
                   <p:embed/>
                 </p:oleObj>
               </mc:Choice>
@@ -34174,7 +33770,7 @@
           <a:graphicData uri="http://schemas.openxmlformats.org/presentationml/2006/ole">
             <mc:AlternateContent xmlns:mc="http://schemas.openxmlformats.org/markup-compatibility/2006">
               <mc:Choice xmlns:v="urn:schemas-microsoft-com:vml" Requires="v">
-                <p:oleObj spid="_x0000_s27874" name="Equation" r:id="rId6" imgW="3429000" imgH="507960" progId="Equation.3">
+                <p:oleObj spid="_x0000_s27940" name="Equation" r:id="rId6" imgW="3429000" imgH="507960" progId="Equation.3">
                   <p:embed/>
                 </p:oleObj>
               </mc:Choice>
@@ -34889,14 +34485,7 @@
                 <a:latin typeface="PFDinTextCompPro-Italic"/>
                 <a:cs typeface="PFDinTextCompPro-Italic"/>
               </a:rPr>
-              <a:t>A: The p-value associated with the coefficient </a:t>
-            </a:r>
-            <a:r>
-              <a:rPr lang="en-US" sz="3000" dirty="0" smtClean="0">
-                <a:latin typeface="PFDinTextCompPro-Italic"/>
-                <a:cs typeface="PFDinTextCompPro-Italic"/>
-              </a:rPr>
-              <a:t>t-value.</a:t>
+              <a:t>A: The p-value associated with the coefficient t-value.</a:t>
             </a:r>
             <a:endParaRPr lang="en-US" sz="3000" dirty="0">
               <a:latin typeface="PFDinTextCompPro-Italic"/>
@@ -35052,14 +34641,7 @@
                 <a:latin typeface="PFDinTextCompPro-Italic"/>
                 <a:cs typeface="PFDinTextCompPro-Italic"/>
               </a:rPr>
-              <a:t>A: The probability of getting the observed outcome (e.g., the coefficient estimate) if the null hypothesis were true (p &lt; 0.05 is typically considered significant</a:t>
-            </a:r>
-            <a:r>
-              <a:rPr lang="en-US" sz="3000" dirty="0" smtClean="0">
-                <a:latin typeface="PFDinTextCompPro-Italic"/>
-                <a:cs typeface="PFDinTextCompPro-Italic"/>
-              </a:rPr>
-              <a:t>).</a:t>
+              <a:t>A: The probability of getting the observed outcome (e.g., the coefficient estimate) if the null hypothesis were true (p &lt; 0.05 is typically considered significant).</a:t>
             </a:r>
             <a:endParaRPr lang="en-US" sz="3000" dirty="0">
               <a:latin typeface="PFDinTextCompPro-Italic"/>
@@ -35114,14 +34696,7 @@
                 <a:latin typeface="PFDinTextCompPro-Italic"/>
                 <a:cs typeface="PFDinTextCompPro-Italic"/>
               </a:rPr>
-              <a:t>A: The p-value associated with the coefficient </a:t>
-            </a:r>
-            <a:r>
-              <a:rPr lang="en-US" sz="3000" dirty="0" smtClean="0">
-                <a:latin typeface="PFDinTextCompPro-Italic"/>
-                <a:cs typeface="PFDinTextCompPro-Italic"/>
-              </a:rPr>
-              <a:t>t-value.</a:t>
+              <a:t>A: The p-value associated with the coefficient t-value.</a:t>
             </a:r>
             <a:endParaRPr lang="en-US" sz="3000" dirty="0">
               <a:latin typeface="PFDinTextCompPro-Italic"/>
@@ -35277,14 +34852,7 @@
                 <a:latin typeface="PFDinTextCompPro-Italic"/>
                 <a:cs typeface="PFDinTextCompPro-Italic"/>
               </a:rPr>
-              <a:t>A: There is no relationship between X and </a:t>
-            </a:r>
-            <a:r>
-              <a:rPr lang="en-US" sz="3000" dirty="0" smtClean="0">
-                <a:latin typeface="PFDinTextCompPro-Italic"/>
-                <a:cs typeface="PFDinTextCompPro-Italic"/>
-              </a:rPr>
-              <a:t>Y.</a:t>
+              <a:t>A: There is no relationship between X and Y.</a:t>
             </a:r>
             <a:endParaRPr lang="en-US" sz="3000" dirty="0">
               <a:latin typeface="PFDinTextCompPro-Italic"/>
@@ -36842,7 +36410,7 @@
           <a:graphicData uri="http://schemas.openxmlformats.org/presentationml/2006/ole">
             <mc:AlternateContent xmlns:mc="http://schemas.openxmlformats.org/markup-compatibility/2006">
               <mc:Choice xmlns:v="urn:schemas-microsoft-com:vml" Requires="v">
-                <p:oleObj spid="_x0000_s35927" name="Equation" r:id="rId4" imgW="190440" imgH="266400" progId="Equation.3">
+                <p:oleObj spid="_x0000_s35993" name="Equation" r:id="rId4" imgW="190440" imgH="266400" progId="Equation.3">
                   <p:embed/>
                 </p:oleObj>
               </mc:Choice>
@@ -36925,7 +36493,7 @@
           <a:graphicData uri="http://schemas.openxmlformats.org/presentationml/2006/ole">
             <mc:AlternateContent xmlns:mc="http://schemas.openxmlformats.org/markup-compatibility/2006">
               <mc:Choice xmlns:v="urn:schemas-microsoft-com:vml" Requires="v">
-                <p:oleObj spid="_x0000_s35928" name="Equation" r:id="rId6" imgW="177480" imgH="215640" progId="Equation.3">
+                <p:oleObj spid="_x0000_s35994" name="Equation" r:id="rId6" imgW="177480" imgH="215640" progId="Equation.3">
                   <p:embed/>
                 </p:oleObj>
               </mc:Choice>
@@ -38579,7 +38147,7 @@
           <a:graphicData uri="http://schemas.openxmlformats.org/presentationml/2006/ole">
             <mc:AlternateContent xmlns:mc="http://schemas.openxmlformats.org/markup-compatibility/2006">
               <mc:Choice xmlns:v="urn:schemas-microsoft-com:vml" Requires="v">
-                <p:oleObj spid="_x0000_s36942" name="Equation" r:id="rId4" imgW="190440" imgH="266400" progId="Equation.3">
+                <p:oleObj spid="_x0000_s37008" name="Equation" r:id="rId4" imgW="190440" imgH="266400" progId="Equation.3">
                   <p:embed/>
                 </p:oleObj>
               </mc:Choice>
@@ -38662,7 +38230,7 @@
           <a:graphicData uri="http://schemas.openxmlformats.org/presentationml/2006/ole">
             <mc:AlternateContent xmlns:mc="http://schemas.openxmlformats.org/markup-compatibility/2006">
               <mc:Choice xmlns:v="urn:schemas-microsoft-com:vml" Requires="v">
-                <p:oleObj spid="_x0000_s36943" name="Equation" r:id="rId6" imgW="177480" imgH="215640" progId="Equation.3">
+                <p:oleObj spid="_x0000_s37009" name="Equation" r:id="rId6" imgW="177480" imgH="215640" progId="Equation.3">
                   <p:embed/>
                 </p:oleObj>
               </mc:Choice>
@@ -39323,14 +38891,7 @@
                 <a:latin typeface="PFDinTextCompPro-Italic"/>
                 <a:cs typeface="PFDinTextCompPro-Italic"/>
               </a:rPr>
-              <a:t> value associated with the </a:t>
-            </a:r>
-            <a:r>
-              <a:rPr lang="en-US" sz="3000" dirty="0" smtClean="0">
-                <a:latin typeface="PFDinTextCompPro-Italic"/>
-                <a:cs typeface="PFDinTextCompPro-Italic"/>
-              </a:rPr>
-              <a:t>model.</a:t>
+              <a:t> value associated with the model.</a:t>
             </a:r>
             <a:endParaRPr lang="en-US" sz="3000" dirty="0">
               <a:latin typeface="PFDinTextCompPro-Italic"/>
@@ -39500,14 +39061,7 @@
                 <a:latin typeface="PFDinTextCompPro-Italic"/>
                 <a:cs typeface="PFDinTextCompPro-Italic"/>
               </a:rPr>
-              <a:t> value associated with the </a:t>
-            </a:r>
-            <a:r>
-              <a:rPr lang="en-US" sz="3000" dirty="0" smtClean="0">
-                <a:latin typeface="PFDinTextCompPro-Italic"/>
-                <a:cs typeface="PFDinTextCompPro-Italic"/>
-              </a:rPr>
-              <a:t>model.</a:t>
+              <a:t> value associated with the model.</a:t>
             </a:r>
             <a:endParaRPr lang="en-US" sz="3000" dirty="0">
               <a:latin typeface="PFDinTextCompPro-Italic"/>
@@ -39576,14 +39130,7 @@
                 <a:latin typeface="PFDinTextCompPro-Italic"/>
                 <a:cs typeface="PFDinTextCompPro-Italic"/>
               </a:rPr>
-              <a:t>A: The proportion of explained variance, ranges from 0 to </a:t>
-            </a:r>
-            <a:r>
-              <a:rPr lang="en-US" sz="3000" dirty="0" smtClean="0">
-                <a:latin typeface="PFDinTextCompPro-Italic"/>
-                <a:cs typeface="PFDinTextCompPro-Italic"/>
-              </a:rPr>
-              <a:t>1.</a:t>
+              <a:t>A: The proportion of explained variance, ranges from 0 to 1.</a:t>
             </a:r>
             <a:endParaRPr lang="en-US" sz="3000" dirty="0">
               <a:latin typeface="PFDinTextCompPro-Italic"/>
@@ -39778,43 +39325,49 @@
       </p:sp>
       <p:graphicFrame>
         <p:nvGraphicFramePr>
-          <p:cNvPr id="1048" name="Object 1047"/>
+          <p:cNvPr id="2" name="Object 1"/>
           <p:cNvGraphicFramePr>
             <a:graphicFrameLocks noChangeAspect="1"/>
           </p:cNvGraphicFramePr>
           <p:nvPr>
             <p:extLst>
               <p:ext uri="{D42A27DB-BD31-4B8C-83A1-F6EECF244321}">
-                <p14:modId xmlns:p14="http://schemas.microsoft.com/office/powerpoint/2010/main" val="2194771966"/>
+                <p14:modId xmlns:p14="http://schemas.microsoft.com/office/powerpoint/2010/main" val="1917409793"/>
               </p:ext>
             </p:extLst>
           </p:nvPr>
         </p:nvGraphicFramePr>
         <p:xfrm>
-          <a:off x="490537" y="2614361"/>
-          <a:ext cx="4079875" cy="1196975"/>
+          <a:off x="422275" y="2614613"/>
+          <a:ext cx="4217988" cy="1196975"/>
         </p:xfrm>
         <a:graphic>
           <a:graphicData uri="http://schemas.openxmlformats.org/presentationml/2006/ole">
             <mc:AlternateContent xmlns:mc="http://schemas.openxmlformats.org/markup-compatibility/2006">
               <mc:Choice xmlns:v="urn:schemas-microsoft-com:vml" Requires="v">
-                <p:oleObj spid="_x0000_s1178" name="Equation" r:id="rId4" imgW="1879560" imgH="558720" progId="Equation.3">
+                <p:oleObj spid="_x0000_s1213" name="Equation" r:id="rId4" imgW="1942920" imgH="558720" progId="Equation.3">
                   <p:embed/>
                 </p:oleObj>
               </mc:Choice>
               <mc:Fallback>
-                <p:oleObj name="Equation" r:id="rId4" imgW="1879560" imgH="558720" progId="Equation.3">
+                <p:oleObj name="Equation" r:id="rId4" imgW="1942920" imgH="558720" progId="Equation.3">
                   <p:embed/>
                   <p:pic>
                     <p:nvPicPr>
-                      <p:cNvPr id="0" name="Object 4"/>
+                      <p:cNvPr id="0" name="Object 1047"/>
                       <p:cNvPicPr>
                         <a:picLocks noChangeAspect="1" noChangeArrowheads="1"/>
                       </p:cNvPicPr>
                       <p:nvPr/>
                     </p:nvPicPr>
                     <p:blipFill>
-                      <a:blip r:embed="rId5"/>
+                      <a:blip r:embed="rId5">
+                        <a:extLst>
+                          <a:ext uri="{28A0092B-C50C-407E-A947-70E740481C1C}">
+                            <a14:useLocalDpi xmlns:a14="http://schemas.microsoft.com/office/drawing/2010/main" val="0"/>
+                          </a:ext>
+                        </a:extLst>
+                      </a:blip>
                       <a:srcRect/>
                       <a:stretch>
                         <a:fillRect/>
@@ -39822,8 +39375,8 @@
                     </p:blipFill>
                     <p:spPr bwMode="auto">
                       <a:xfrm>
-                        <a:off x="490537" y="2614361"/>
-                        <a:ext cx="4079875" cy="1196975"/>
+                        <a:off x="422275" y="2614613"/>
+                        <a:ext cx="4217988" cy="1196975"/>
                       </a:xfrm>
                       <a:prstGeom prst="rect">
                         <a:avLst/>
@@ -41245,43 +40798,49 @@
       </p:cxnSp>
       <p:graphicFrame>
         <p:nvGraphicFramePr>
-          <p:cNvPr id="1048" name="Object 1047"/>
+          <p:cNvPr id="2" name="Object 1"/>
           <p:cNvGraphicFramePr>
             <a:graphicFrameLocks noChangeAspect="1"/>
           </p:cNvGraphicFramePr>
           <p:nvPr>
             <p:extLst>
               <p:ext uri="{D42A27DB-BD31-4B8C-83A1-F6EECF244321}">
-                <p14:modId xmlns:p14="http://schemas.microsoft.com/office/powerpoint/2010/main" val="553774694"/>
+                <p14:modId xmlns:p14="http://schemas.microsoft.com/office/powerpoint/2010/main" val="1917409793"/>
               </p:ext>
             </p:extLst>
           </p:nvPr>
         </p:nvGraphicFramePr>
         <p:xfrm>
-          <a:off x="490537" y="2614361"/>
-          <a:ext cx="4079875" cy="1196975"/>
+          <a:off x="422275" y="2614613"/>
+          <a:ext cx="4217988" cy="1196975"/>
         </p:xfrm>
         <a:graphic>
           <a:graphicData uri="http://schemas.openxmlformats.org/presentationml/2006/ole">
             <mc:AlternateContent xmlns:mc="http://schemas.openxmlformats.org/markup-compatibility/2006">
               <mc:Choice xmlns:v="urn:schemas-microsoft-com:vml" Requires="v">
-                <p:oleObj spid="_x0000_s32832" name="Equation" r:id="rId4" imgW="1879560" imgH="558720" progId="Equation.3">
+                <p:oleObj spid="_x0000_s32866" name="Equation" r:id="rId4" imgW="1942920" imgH="558720" progId="Equation.3">
                   <p:embed/>
                 </p:oleObj>
               </mc:Choice>
               <mc:Fallback>
-                <p:oleObj name="Equation" r:id="rId4" imgW="1879560" imgH="558720" progId="Equation.3">
+                <p:oleObj name="Equation" r:id="rId4" imgW="1942920" imgH="558720" progId="Equation.3">
                   <p:embed/>
                   <p:pic>
                     <p:nvPicPr>
-                      <p:cNvPr id="0" name=""/>
+                      <p:cNvPr id="0" name="Object 1047"/>
                       <p:cNvPicPr>
                         <a:picLocks noChangeAspect="1" noChangeArrowheads="1"/>
                       </p:cNvPicPr>
                       <p:nvPr/>
                     </p:nvPicPr>
                     <p:blipFill>
-                      <a:blip r:embed="rId5"/>
+                      <a:blip r:embed="rId5">
+                        <a:extLst>
+                          <a:ext uri="{28A0092B-C50C-407E-A947-70E740481C1C}">
+                            <a14:useLocalDpi xmlns:a14="http://schemas.microsoft.com/office/drawing/2010/main" val="0"/>
+                          </a:ext>
+                        </a:extLst>
+                      </a:blip>
                       <a:srcRect/>
                       <a:stretch>
                         <a:fillRect/>
@@ -41289,8 +40848,8 @@
                     </p:blipFill>
                     <p:spPr bwMode="auto">
                       <a:xfrm>
-                        <a:off x="490537" y="2614361"/>
-                        <a:ext cx="4079875" cy="1196975"/>
+                        <a:off x="422275" y="2614613"/>
+                        <a:ext cx="4217988" cy="1196975"/>
                       </a:xfrm>
                       <a:prstGeom prst="rect">
                         <a:avLst/>
@@ -43910,25 +43469,25 @@
           <p:nvPr>
             <p:extLst>
               <p:ext uri="{D42A27DB-BD31-4B8C-83A1-F6EECF244321}">
-                <p14:modId xmlns:p14="http://schemas.microsoft.com/office/powerpoint/2010/main" val="1703158001"/>
+                <p14:modId xmlns:p14="http://schemas.microsoft.com/office/powerpoint/2010/main" val="1917409793"/>
               </p:ext>
             </p:extLst>
           </p:nvPr>
         </p:nvGraphicFramePr>
         <p:xfrm>
-          <a:off x="490537" y="2614361"/>
-          <a:ext cx="4079875" cy="1196975"/>
+          <a:off x="422275" y="2614613"/>
+          <a:ext cx="4217988" cy="1196975"/>
         </p:xfrm>
         <a:graphic>
           <a:graphicData uri="http://schemas.openxmlformats.org/presentationml/2006/ole">
             <mc:AlternateContent xmlns:mc="http://schemas.openxmlformats.org/markup-compatibility/2006">
               <mc:Choice xmlns:v="urn:schemas-microsoft-com:vml" Requires="v">
-                <p:oleObj spid="_x0000_s33857" name="Equation" r:id="rId4" imgW="1879560" imgH="558720" progId="Equation.3">
+                <p:oleObj spid="_x0000_s33895" name="Equation" r:id="rId4" imgW="1942920" imgH="558720" progId="Equation.3">
                   <p:embed/>
                 </p:oleObj>
               </mc:Choice>
               <mc:Fallback>
-                <p:oleObj name="Equation" r:id="rId4" imgW="1879560" imgH="558720" progId="Equation.3">
+                <p:oleObj name="Equation" r:id="rId4" imgW="1942920" imgH="558720" progId="Equation.3">
                   <p:embed/>
                   <p:pic>
                     <p:nvPicPr>
@@ -43947,8 +43506,8 @@
                     </p:blipFill>
                     <p:spPr bwMode="auto">
                       <a:xfrm>
-                        <a:off x="490537" y="2614361"/>
-                        <a:ext cx="4079875" cy="1196975"/>
+                        <a:off x="422275" y="2614613"/>
+                        <a:ext cx="4217988" cy="1196975"/>
                       </a:xfrm>
                       <a:prstGeom prst="rect">
                         <a:avLst/>
@@ -44158,19 +43717,8 @@
                 <a:latin typeface="PFDinTextCompPro-Italic"/>
                 <a:cs typeface="PFDinTextCompPro-Italic"/>
               </a:rPr>
-              <a:t> value ranges widely depending on the domain</a:t>
-            </a:r>
-            <a:r>
-              <a:rPr lang="en-US" sz="3000" dirty="0" smtClean="0">
-                <a:latin typeface="PFDinTextCompPro-Italic"/>
-                <a:cs typeface="PFDinTextCompPro-Italic"/>
-              </a:rPr>
-              <a:t>. </a:t>
-            </a:r>
-            <a:endParaRPr lang="en-US" sz="3000" dirty="0" smtClean="0">
-              <a:latin typeface="PFDinTextCompPro-Italic"/>
-              <a:cs typeface="PFDinTextCompPro-Italic"/>
-            </a:endParaRPr>
+              <a:t> value ranges widely depending on the domain. </a:t>
+            </a:r>
           </a:p>
         </p:txBody>
       </p:sp>
@@ -44348,14 +43896,7 @@
                 <a:latin typeface="PFDinTextCompPro-Italic"/>
                 <a:cs typeface="PFDinTextCompPro-Italic"/>
               </a:rPr>
-              <a:t> value ranges widely depending on the domain</a:t>
-            </a:r>
-            <a:r>
-              <a:rPr lang="en-US" sz="3000" dirty="0" smtClean="0">
-                <a:latin typeface="PFDinTextCompPro-Italic"/>
-                <a:cs typeface="PFDinTextCompPro-Italic"/>
-              </a:rPr>
-              <a:t>. </a:t>
+              <a:t> value ranges widely depending on the domain. </a:t>
             </a:r>
           </a:p>
           <a:p>
@@ -44374,10 +43915,6 @@
               </a:rPr>
               <a:t>However, it provides a benchmark to evaluate different models against one another. We will devote an entire class to model evaluation next week.</a:t>
             </a:r>
-            <a:endParaRPr lang="en-US" sz="3000" dirty="0" smtClean="0">
-              <a:latin typeface="PFDinTextCompPro-Italic"/>
-              <a:cs typeface="PFDinTextCompPro-Italic"/>
-            </a:endParaRPr>
           </a:p>
         </p:txBody>
       </p:sp>
@@ -44559,26 +44096,8 @@
                 <a:latin typeface="PFDinTextCompPro-Italic"/>
                 <a:cs typeface="PFDinTextCompPro-Italic"/>
               </a:rPr>
-              <a:t>, however, this does not mean we are </a:t>
-            </a:r>
-            <a:r>
-              <a:rPr lang="en-US" sz="3000" dirty="0" smtClean="0">
-                <a:latin typeface="PFDinTextCompPro-Italic"/>
-                <a:cs typeface="PFDinTextCompPro-Italic"/>
-              </a:rPr>
-              <a:t>necessarily improving </a:t>
-            </a:r>
-            <a:r>
-              <a:rPr lang="en-US" sz="3000" dirty="0" smtClean="0">
-                <a:latin typeface="PFDinTextCompPro-Italic"/>
-                <a:cs typeface="PFDinTextCompPro-Italic"/>
-              </a:rPr>
-              <a:t>our model. </a:t>
-            </a:r>
-            <a:endParaRPr lang="en-US" sz="3000" dirty="0" smtClean="0">
-              <a:latin typeface="PFDinTextCompPro-Italic"/>
-              <a:cs typeface="PFDinTextCompPro-Italic"/>
-            </a:endParaRPr>
+              <a:t>, however, this does not mean we are necessarily improving our model. </a:t>
+            </a:r>
           </a:p>
         </p:txBody>
       </p:sp>
@@ -44735,19 +44254,8 @@
                 <a:latin typeface="PFDinTextCompPro-Italic"/>
                 <a:cs typeface="PFDinTextCompPro-Italic"/>
               </a:rPr>
-              <a:t>A: A functional relationship between input &amp; response </a:t>
-            </a:r>
-            <a:r>
-              <a:rPr lang="en-US" sz="3000" dirty="0" smtClean="0">
-                <a:latin typeface="PFDinTextCompPro-Italic"/>
-                <a:cs typeface="PFDinTextCompPro-Italic"/>
-              </a:rPr>
-              <a:t>variables.</a:t>
-            </a:r>
-            <a:endParaRPr lang="en-US" sz="3000" dirty="0" smtClean="0">
-              <a:latin typeface="PFDinTextCompPro-Italic"/>
-              <a:cs typeface="PFDinTextCompPro-Italic"/>
-            </a:endParaRPr>
+              <a:t>A: A functional relationship between input &amp; response variables.</a:t>
+            </a:r>
           </a:p>
           <a:p>
             <a:pPr algn="l"/>
@@ -44995,26 +44503,8 @@
                 <a:latin typeface="PFDinTextCompPro-Italic"/>
                 <a:cs typeface="PFDinTextCompPro-Italic"/>
               </a:rPr>
-              <a:t>, however, this does not mean we are </a:t>
-            </a:r>
-            <a:r>
-              <a:rPr lang="en-US" sz="3000" dirty="0" smtClean="0">
-                <a:latin typeface="PFDinTextCompPro-Italic"/>
-                <a:cs typeface="PFDinTextCompPro-Italic"/>
-              </a:rPr>
-              <a:t>necessarily improving </a:t>
-            </a:r>
-            <a:r>
-              <a:rPr lang="en-US" sz="3000" dirty="0" smtClean="0">
-                <a:latin typeface="PFDinTextCompPro-Italic"/>
-                <a:cs typeface="PFDinTextCompPro-Italic"/>
-              </a:rPr>
-              <a:t>our model. </a:t>
-            </a:r>
-            <a:endParaRPr lang="en-US" sz="3000" dirty="0" smtClean="0">
-              <a:latin typeface="PFDinTextCompPro-Italic"/>
-              <a:cs typeface="PFDinTextCompPro-Italic"/>
-            </a:endParaRPr>
+              <a:t>, however, this does not mean we are necessarily improving our model. </a:t>
+            </a:r>
           </a:p>
           <a:p>
             <a:pPr algn="l"/>
@@ -45231,26 +44721,8 @@
                 <a:latin typeface="PFDinTextCompPro-Italic"/>
                 <a:cs typeface="PFDinTextCompPro-Italic"/>
               </a:rPr>
-              <a:t>, however, this does not mean we are </a:t>
-            </a:r>
-            <a:r>
-              <a:rPr lang="en-US" sz="3000" dirty="0" smtClean="0">
-                <a:latin typeface="PFDinTextCompPro-Italic"/>
-                <a:cs typeface="PFDinTextCompPro-Italic"/>
-              </a:rPr>
-              <a:t>necessarily improving </a:t>
-            </a:r>
-            <a:r>
-              <a:rPr lang="en-US" sz="3000" dirty="0" smtClean="0">
-                <a:latin typeface="PFDinTextCompPro-Italic"/>
-                <a:cs typeface="PFDinTextCompPro-Italic"/>
-              </a:rPr>
-              <a:t>our model. </a:t>
-            </a:r>
-            <a:endParaRPr lang="en-US" sz="3000" dirty="0" smtClean="0">
-              <a:latin typeface="PFDinTextCompPro-Italic"/>
-              <a:cs typeface="PFDinTextCompPro-Italic"/>
-            </a:endParaRPr>
+              <a:t>, however, this does not mean we are necessarily improving our model. </a:t>
+            </a:r>
           </a:p>
           <a:p>
             <a:pPr algn="l"/>
@@ -45311,7 +44783,7 @@
           <a:graphicData uri="http://schemas.openxmlformats.org/presentationml/2006/ole">
             <mc:AlternateContent xmlns:mc="http://schemas.openxmlformats.org/markup-compatibility/2006">
               <mc:Choice xmlns:v="urn:schemas-microsoft-com:vml" Requires="v">
-                <p:oleObj spid="_x0000_s39978" name="Equation" r:id="rId4" imgW="2158920" imgH="419040" progId="Equation.3">
+                <p:oleObj spid="_x0000_s40046" name="Equation" r:id="rId4" imgW="2158920" imgH="419040" progId="Equation.3">
                   <p:embed/>
                 </p:oleObj>
               </mc:Choice>
@@ -45394,7 +44866,7 @@
           <a:graphicData uri="http://schemas.openxmlformats.org/presentationml/2006/ole">
             <mc:AlternateContent xmlns:mc="http://schemas.openxmlformats.org/markup-compatibility/2006">
               <mc:Choice xmlns:v="urn:schemas-microsoft-com:vml" Requires="v">
-                <p:oleObj spid="_x0000_s39979" name="Equation" r:id="rId6" imgW="2158920" imgH="342720" progId="Equation.3">
+                <p:oleObj spid="_x0000_s40047" name="Equation" r:id="rId6" imgW="2158920" imgH="342720" progId="Equation.3">
                   <p:embed/>
                 </p:oleObj>
               </mc:Choice>
@@ -45831,21 +45303,7 @@
                 <a:latin typeface="PFDinTextCompPro-Italic"/>
                 <a:cs typeface="PFDinTextCompPro-Italic"/>
               </a:rPr>
-              <a:t>Linear modeling is a parametric technique, meaning tha</a:t>
-            </a:r>
-            <a:r>
-              <a:rPr lang="en-US" sz="3000" dirty="0" smtClean="0">
-                <a:latin typeface="PFDinTextCompPro-Italic"/>
-                <a:cs typeface="PFDinTextCompPro-Italic"/>
-              </a:rPr>
-              <a:t>t it</a:t>
-            </a:r>
-            <a:r>
-              <a:rPr lang="en-US" sz="3000" dirty="0" smtClean="0">
-                <a:latin typeface="PFDinTextCompPro-Italic"/>
-                <a:cs typeface="PFDinTextCompPro-Italic"/>
-              </a:rPr>
-              <a:t> relies on specific assumptions underlying data:</a:t>
+              <a:t>Linear modeling is a parametric technique, meaning that it relies on specific assumptions about the underlying data:</a:t>
             </a:r>
           </a:p>
           <a:p>
@@ -45896,6 +45354,19 @@
           </a:p>
           <a:p>
             <a:pPr marL="514350" indent="-514350" algn="l">
+              <a:buFontTx/>
+              <a:buAutoNum type="arabicParenR"/>
+            </a:pPr>
+            <a:r>
+              <a:rPr lang="en-US" sz="3000" dirty="0">
+                <a:latin typeface="PFDinTextCompPro-Italic"/>
+                <a:cs typeface="PFDinTextCompPro-Italic"/>
+              </a:rPr>
+              <a:t>Normality of the Error Distribution</a:t>
+            </a:r>
+          </a:p>
+          <a:p>
+            <a:pPr marL="514350" indent="-514350" algn="l">
               <a:buAutoNum type="arabicParenR"/>
             </a:pPr>
             <a:r>
@@ -45904,18 +45375,6 @@
                 <a:cs typeface="PFDinTextCompPro-Italic"/>
               </a:rPr>
               <a:t>Statistical independence of the errors</a:t>
-            </a:r>
-          </a:p>
-          <a:p>
-            <a:pPr marL="514350" indent="-514350" algn="l">
-              <a:buAutoNum type="arabicParenR"/>
-            </a:pPr>
-            <a:r>
-              <a:rPr lang="en-US" sz="3000" dirty="0" smtClean="0">
-                <a:latin typeface="PFDinTextCompPro-Italic"/>
-                <a:cs typeface="PFDinTextCompPro-Italic"/>
-              </a:rPr>
-              <a:t>Normality of the Error Distribution</a:t>
             </a:r>
           </a:p>
           <a:p>
@@ -46094,28 +45553,7 @@
                 <a:latin typeface="PFDinTextCompPro-Italic"/>
                 <a:cs typeface="PFDinTextCompPro-Italic"/>
               </a:rPr>
-              <a:t>This </a:t>
-            </a:r>
-            <a:r>
-              <a:rPr lang="en-US" sz="3000" dirty="0" smtClean="0">
-                <a:latin typeface="PFDinTextCompPro-Italic"/>
-                <a:cs typeface="PFDinTextCompPro-Italic"/>
-              </a:rPr>
-              <a:t>section defines two </a:t>
-            </a:r>
-            <a:r>
-              <a:rPr lang="en-US" sz="3000" dirty="0" smtClean="0">
-                <a:latin typeface="PFDinTextCompPro-Italic"/>
-                <a:cs typeface="PFDinTextCompPro-Italic"/>
-              </a:rPr>
-              <a:t>common problems that arise when these assumptions are not met, </a:t>
-            </a:r>
-            <a:r>
-              <a:rPr lang="en-US" sz="3000" dirty="0" smtClean="0">
-                <a:latin typeface="PFDinTextCompPro-Italic"/>
-                <a:cs typeface="PFDinTextCompPro-Italic"/>
-              </a:rPr>
-              <a:t>along with how to identify and remediate them.</a:t>
+              <a:t>This section defines two common problems that arise when these assumptions are not met, along with how to identify and remediate them.</a:t>
             </a:r>
           </a:p>
           <a:p>
@@ -46272,28 +45710,7 @@
                 <a:latin typeface="PFDinTextCompPro-Italic"/>
                 <a:cs typeface="PFDinTextCompPro-Italic"/>
               </a:rPr>
-              <a:t>This </a:t>
-            </a:r>
-            <a:r>
-              <a:rPr lang="en-US" sz="3000" dirty="0" smtClean="0">
-                <a:latin typeface="PFDinTextCompPro-Italic"/>
-                <a:cs typeface="PFDinTextCompPro-Italic"/>
-              </a:rPr>
-              <a:t>section defines two </a:t>
-            </a:r>
-            <a:r>
-              <a:rPr lang="en-US" sz="3000" dirty="0" smtClean="0">
-                <a:latin typeface="PFDinTextCompPro-Italic"/>
-                <a:cs typeface="PFDinTextCompPro-Italic"/>
-              </a:rPr>
-              <a:t>common problems that arise when these assumptions are not met, </a:t>
-            </a:r>
-            <a:r>
-              <a:rPr lang="en-US" sz="3000" dirty="0" smtClean="0">
-                <a:latin typeface="PFDinTextCompPro-Italic"/>
-                <a:cs typeface="PFDinTextCompPro-Italic"/>
-              </a:rPr>
-              <a:t>along with how to identify and remediate them.</a:t>
+              <a:t>This section defines two common problems that arise when these assumptions are not met, along with how to identify and remediate them.</a:t>
             </a:r>
           </a:p>
           <a:p>
@@ -46673,21 +46090,7 @@
                 <a:latin typeface="PFDinTextCompPro-Italic"/>
                 <a:cs typeface="PFDinTextCompPro-Italic"/>
               </a:rPr>
-              <a:t>on the assumption that each input variable is </a:t>
-            </a:r>
-            <a:r>
-              <a:rPr lang="en-US" sz="3000" b="1" dirty="0" smtClean="0">
-                <a:latin typeface="PFDinTextCompPro-Italic"/>
-                <a:cs typeface="PFDinTextCompPro-Italic"/>
-              </a:rPr>
-              <a:t>independent </a:t>
-            </a:r>
-            <a:r>
-              <a:rPr lang="en-US" sz="3000" b="1" dirty="0" smtClean="0">
-                <a:latin typeface="PFDinTextCompPro-Italic"/>
-                <a:cs typeface="PFDinTextCompPro-Italic"/>
-              </a:rPr>
-              <a:t>of the other. </a:t>
+              <a:t>on the assumption that each input variable is independent of the other. </a:t>
             </a:r>
           </a:p>
         </p:txBody>
@@ -46858,21 +46261,7 @@
                 <a:latin typeface="PFDinTextCompPro-Italic"/>
                 <a:cs typeface="PFDinTextCompPro-Italic"/>
               </a:rPr>
-              <a:t>Linear Regression relies on the assumption that each input variable is </a:t>
-            </a:r>
-            <a:r>
-              <a:rPr lang="en-US" sz="3000" dirty="0" smtClean="0">
-                <a:latin typeface="PFDinTextCompPro-Italic"/>
-                <a:cs typeface="PFDinTextCompPro-Italic"/>
-              </a:rPr>
-              <a:t>independent </a:t>
-            </a:r>
-            <a:r>
-              <a:rPr lang="en-US" sz="3000" dirty="0" smtClean="0">
-                <a:latin typeface="PFDinTextCompPro-Italic"/>
-                <a:cs typeface="PFDinTextCompPro-Italic"/>
-              </a:rPr>
-              <a:t>of the other. </a:t>
+              <a:t>Linear Regression relies on the assumption that each input variable is independent of the other. </a:t>
             </a:r>
           </a:p>
           <a:p>
@@ -47056,21 +46445,7 @@
                 <a:latin typeface="PFDinTextCompPro-Italic"/>
                 <a:cs typeface="PFDinTextCompPro-Italic"/>
               </a:rPr>
-              <a:t>on the assumption that each input variable is </a:t>
-            </a:r>
-            <a:r>
-              <a:rPr lang="en-US" sz="3000" dirty="0" smtClean="0">
-                <a:latin typeface="PFDinTextCompPro-Italic"/>
-                <a:cs typeface="PFDinTextCompPro-Italic"/>
-              </a:rPr>
-              <a:t>independent </a:t>
-            </a:r>
-            <a:r>
-              <a:rPr lang="en-US" sz="3000" dirty="0" smtClean="0">
-                <a:latin typeface="PFDinTextCompPro-Italic"/>
-                <a:cs typeface="PFDinTextCompPro-Italic"/>
-              </a:rPr>
-              <a:t>of the other. </a:t>
+              <a:t>on the assumption that each input variable is independent of the other. </a:t>
             </a:r>
           </a:p>
           <a:p>
@@ -47254,19 +46629,8 @@
                 <a:latin typeface="PFDinTextCompPro-Italic"/>
                 <a:cs typeface="PFDinTextCompPro-Italic"/>
               </a:rPr>
-              <a:t>A: A functional relationship between input &amp; response </a:t>
-            </a:r>
-            <a:r>
-              <a:rPr lang="en-US" sz="3000" dirty="0" smtClean="0">
-                <a:latin typeface="PFDinTextCompPro-Italic"/>
-                <a:cs typeface="PFDinTextCompPro-Italic"/>
-              </a:rPr>
-              <a:t>variables.</a:t>
-            </a:r>
-            <a:endParaRPr lang="en-US" sz="3000" dirty="0" smtClean="0">
-              <a:latin typeface="PFDinTextCompPro-Italic"/>
-              <a:cs typeface="PFDinTextCompPro-Italic"/>
-            </a:endParaRPr>
+              <a:t>A: A functional relationship between input &amp; response variables.</a:t>
+            </a:r>
           </a:p>
           <a:p>
             <a:pPr algn="l"/>
@@ -47364,7 +46728,7 @@
               <a:t> + </a:t>
             </a:r>
             <a:r>
-              <a:rPr lang="en-US" sz="2800" i="1" dirty="0">
+              <a:rPr lang="en-US" sz="2800" i="1" dirty="0" smtClean="0">
                 <a:latin typeface="Symbol" charset="2"/>
                 <a:cs typeface="Symbol" charset="2"/>
               </a:rPr>
@@ -47546,19 +46910,8 @@
                 <a:latin typeface="PFDinTextCompPro-Italic"/>
                 <a:cs typeface="PFDinTextCompPro-Italic"/>
               </a:rPr>
-              <a:t>A: This can be difficult, however, a scatter matrix, or correlation coefficient matrix can </a:t>
-            </a:r>
-            <a:r>
-              <a:rPr lang="en-US" sz="3000" dirty="0" smtClean="0">
-                <a:latin typeface="PFDinTextCompPro-Italic"/>
-                <a:cs typeface="PFDinTextCompPro-Italic"/>
-              </a:rPr>
-              <a:t>help.</a:t>
-            </a:r>
-            <a:endParaRPr lang="en-US" sz="3000" dirty="0" smtClean="0">
-              <a:latin typeface="PFDinTextCompPro-Italic"/>
-              <a:cs typeface="PFDinTextCompPro-Italic"/>
-            </a:endParaRPr>
+              <a:t>A: This can be difficult, however, a scatter matrix, or correlation coefficient matrix can help.</a:t>
+            </a:r>
           </a:p>
         </p:txBody>
       </p:sp>
@@ -47773,7 +47126,7 @@
           <a:graphicData uri="http://schemas.openxmlformats.org/presentationml/2006/ole">
             <mc:AlternateContent xmlns:mc="http://schemas.openxmlformats.org/markup-compatibility/2006">
               <mc:Choice xmlns:v="urn:schemas-microsoft-com:vml" Requires="v">
-                <p:oleObj spid="_x0000_s9380" name="Equation" r:id="rId4" imgW="863280" imgH="444240" progId="Equation.3">
+                <p:oleObj spid="_x0000_s9414" name="Equation" r:id="rId4" imgW="863280" imgH="444240" progId="Equation.3">
                   <p:embed/>
                 </p:oleObj>
               </mc:Choice>
@@ -48128,14 +47481,7 @@
                 <a:latin typeface="PFDinTextCompPro-Italic"/>
                 <a:cs typeface="PFDinTextCompPro-Italic"/>
               </a:rPr>
-              <a:t>A</a:t>
-            </a:r>
-            <a:r>
-              <a:rPr lang="en-US" sz="3000" dirty="0" smtClean="0">
-                <a:latin typeface="PFDinTextCompPro-Italic"/>
-                <a:cs typeface="PFDinTextCompPro-Italic"/>
-              </a:rPr>
-              <a:t>: Most popular method is the </a:t>
+              <a:t>A: Most popular method is the </a:t>
             </a:r>
             <a:r>
               <a:rPr lang="en-US" sz="3000" dirty="0">
@@ -48194,7 +47540,7 @@
           <a:graphicData uri="http://schemas.openxmlformats.org/presentationml/2006/ole">
             <mc:AlternateContent xmlns:mc="http://schemas.openxmlformats.org/markup-compatibility/2006">
               <mc:Choice xmlns:v="urn:schemas-microsoft-com:vml" Requires="v">
-                <p:oleObj spid="_x0000_s10408" name="Equation" r:id="rId4" imgW="2755800" imgH="596880" progId="Equation.3">
+                <p:oleObj spid="_x0000_s10441" name="Equation" r:id="rId4" imgW="2755800" imgH="596880" progId="Equation.3">
                   <p:embed/>
                 </p:oleObj>
               </mc:Choice>
@@ -48565,14 +47911,7 @@
                 <a:latin typeface="PFDinTextCompPro-Italic"/>
                 <a:cs typeface="PFDinTextCompPro-Italic"/>
               </a:rPr>
-              <a:t>A: These variables can be removed, or included in the model as an interaction </a:t>
-            </a:r>
-            <a:r>
-              <a:rPr lang="en-US" sz="3000" dirty="0" smtClean="0">
-                <a:latin typeface="PFDinTextCompPro-Italic"/>
-                <a:cs typeface="PFDinTextCompPro-Italic"/>
-              </a:rPr>
-              <a:t>term.</a:t>
+              <a:t>A: These variables can be removed, or included in the model as an interaction term.</a:t>
             </a:r>
             <a:endParaRPr lang="en-US" sz="3000" dirty="0">
               <a:latin typeface="PFDinTextCompPro-Italic"/>
@@ -48709,28 +48048,7 @@
                 <a:latin typeface="PFDinTextCompPro-Italic"/>
                 <a:cs typeface="PFDinTextCompPro-Italic"/>
               </a:rPr>
-              <a:t>This </a:t>
-            </a:r>
-            <a:r>
-              <a:rPr lang="en-US" sz="3000" dirty="0" smtClean="0">
-                <a:latin typeface="PFDinTextCompPro-Italic"/>
-                <a:cs typeface="PFDinTextCompPro-Italic"/>
-              </a:rPr>
-              <a:t>section defines two </a:t>
-            </a:r>
-            <a:r>
-              <a:rPr lang="en-US" sz="3000" dirty="0" smtClean="0">
-                <a:latin typeface="PFDinTextCompPro-Italic"/>
-                <a:cs typeface="PFDinTextCompPro-Italic"/>
-              </a:rPr>
-              <a:t>common problems that arise when these assumptions are not met, </a:t>
-            </a:r>
-            <a:r>
-              <a:rPr lang="en-US" sz="3000" dirty="0" smtClean="0">
-                <a:latin typeface="PFDinTextCompPro-Italic"/>
-                <a:cs typeface="PFDinTextCompPro-Italic"/>
-              </a:rPr>
-              <a:t>along with how to identify and remediate them.</a:t>
+              <a:t>This section defines two common problems that arise when these assumptions are not met, along with how to identify and remediate them.</a:t>
             </a:r>
           </a:p>
           <a:p>
@@ -48911,28 +48229,7 @@
                 <a:latin typeface="PFDinTextCompPro-Italic"/>
                 <a:cs typeface="PFDinTextCompPro-Italic"/>
               </a:rPr>
-              <a:t>A: Heteroskedasticity </a:t>
-            </a:r>
-            <a:r>
-              <a:rPr lang="en-US" sz="3000" dirty="0" smtClean="0">
-                <a:latin typeface="PFDinTextCompPro-Italic"/>
-                <a:cs typeface="PFDinTextCompPro-Italic"/>
-              </a:rPr>
-              <a:t>means </a:t>
-            </a:r>
-            <a:r>
-              <a:rPr lang="en-US" sz="3000" dirty="0" smtClean="0">
-                <a:latin typeface="PFDinTextCompPro-Italic"/>
-                <a:cs typeface="PFDinTextCompPro-Italic"/>
-              </a:rPr>
-              <a:t>non-constant variance in the </a:t>
-            </a:r>
-            <a:r>
-              <a:rPr lang="en-US" sz="3000" dirty="0" smtClean="0">
-                <a:latin typeface="PFDinTextCompPro-Italic"/>
-                <a:cs typeface="PFDinTextCompPro-Italic"/>
-              </a:rPr>
-              <a:t>residuals (literally: hetero=different, </a:t>
+              <a:t>A: Heteroskedasticity means non-constant variance in the residuals (literally: hetero=different, </a:t>
             </a:r>
             <a:r>
               <a:rPr lang="en-US" sz="3000" dirty="0" err="1">
@@ -49171,7 +48468,7 @@
           <a:graphicData uri="http://schemas.openxmlformats.org/presentationml/2006/ole">
             <mc:AlternateContent xmlns:mc="http://schemas.openxmlformats.org/markup-compatibility/2006">
               <mc:Choice xmlns:v="urn:schemas-microsoft-com:vml" Requires="v">
-                <p:oleObj spid="_x0000_s11737" name="Equation" r:id="rId7" imgW="139680" imgH="203040" progId="Equation.3">
+                <p:oleObj spid="_x0000_s11839" name="Equation" r:id="rId7" imgW="139680" imgH="203040" progId="Equation.3">
                   <p:embed/>
                 </p:oleObj>
               </mc:Choice>
@@ -49254,7 +48551,7 @@
           <a:graphicData uri="http://schemas.openxmlformats.org/presentationml/2006/ole">
             <mc:AlternateContent xmlns:mc="http://schemas.openxmlformats.org/markup-compatibility/2006">
               <mc:Choice xmlns:v="urn:schemas-microsoft-com:vml" Requires="v">
-                <p:oleObj spid="_x0000_s11738" name="Equation" r:id="rId9" imgW="139680" imgH="203040" progId="Equation.3">
+                <p:oleObj spid="_x0000_s11840" name="Equation" r:id="rId9" imgW="139680" imgH="203040" progId="Equation.3">
                   <p:embed/>
                 </p:oleObj>
               </mc:Choice>
@@ -49337,7 +48634,7 @@
           <a:graphicData uri="http://schemas.openxmlformats.org/presentationml/2006/ole">
             <mc:AlternateContent xmlns:mc="http://schemas.openxmlformats.org/markup-compatibility/2006">
               <mc:Choice xmlns:v="urn:schemas-microsoft-com:vml" Requires="v">
-                <p:oleObj spid="_x0000_s11739" name="Equation" r:id="rId10" imgW="139680" imgH="203040" progId="Equation.3">
+                <p:oleObj spid="_x0000_s11841" name="Equation" r:id="rId10" imgW="139680" imgH="203040" progId="Equation.3">
                   <p:embed/>
                 </p:oleObj>
               </mc:Choice>
@@ -49739,19 +49036,8 @@
                 <a:latin typeface="PFDinTextCompPro-Italic"/>
                 <a:cs typeface="PFDinTextCompPro-Italic"/>
               </a:rPr>
-              <a:t>coefficient and prediction </a:t>
-            </a:r>
-            <a:r>
-              <a:rPr lang="en-US" sz="3000" dirty="0" smtClean="0">
-                <a:latin typeface="PFDinTextCompPro-Italic"/>
-                <a:cs typeface="PFDinTextCompPro-Italic"/>
-              </a:rPr>
-              <a:t>estimates.</a:t>
-            </a:r>
-            <a:endParaRPr lang="en-US" sz="3000" dirty="0" smtClean="0">
-              <a:latin typeface="PFDinTextCompPro-Italic"/>
-              <a:cs typeface="PFDinTextCompPro-Italic"/>
-            </a:endParaRPr>
+              <a:t>coefficient and prediction estimates.</a:t>
+            </a:r>
           </a:p>
         </p:txBody>
       </p:sp>
@@ -49807,19 +49093,8 @@
                 <a:latin typeface="PFDinTextCompPro-Italic"/>
                 <a:cs typeface="PFDinTextCompPro-Italic"/>
               </a:rPr>
-              <a:t>A: Because standard errors, confidence intervals, and hypothesis tests all rely on </a:t>
-            </a:r>
-            <a:r>
-              <a:rPr lang="en-US" sz="3000" dirty="0" smtClean="0">
-                <a:latin typeface="PFDinTextCompPro-Italic"/>
-                <a:cs typeface="PFDinTextCompPro-Italic"/>
-              </a:rPr>
-              <a:t>constant error variance.</a:t>
-            </a:r>
-            <a:endParaRPr lang="en-US" sz="3000" dirty="0" smtClean="0">
-              <a:latin typeface="PFDinTextCompPro-Italic"/>
-              <a:cs typeface="PFDinTextCompPro-Italic"/>
-            </a:endParaRPr>
+              <a:t>A: Because standard errors, confidence intervals, and hypothesis tests all rely on constant error variance.</a:t>
+            </a:r>
           </a:p>
         </p:txBody>
       </p:sp>
@@ -50175,7 +49450,7 @@
           <a:graphicData uri="http://schemas.openxmlformats.org/presentationml/2006/ole">
             <mc:AlternateContent xmlns:mc="http://schemas.openxmlformats.org/markup-compatibility/2006">
               <mc:Choice xmlns:v="urn:schemas-microsoft-com:vml" Requires="v">
-                <p:oleObj spid="_x0000_s30980" name="Equation" r:id="rId7" imgW="139680" imgH="203040" progId="Equation.3">
+                <p:oleObj spid="_x0000_s31079" name="Equation" r:id="rId7" imgW="139680" imgH="203040" progId="Equation.3">
                   <p:embed/>
                 </p:oleObj>
               </mc:Choice>
@@ -50258,7 +49533,7 @@
           <a:graphicData uri="http://schemas.openxmlformats.org/presentationml/2006/ole">
             <mc:AlternateContent xmlns:mc="http://schemas.openxmlformats.org/markup-compatibility/2006">
               <mc:Choice xmlns:v="urn:schemas-microsoft-com:vml" Requires="v">
-                <p:oleObj spid="_x0000_s30981" name="Equation" r:id="rId9" imgW="139680" imgH="203040" progId="Equation.3">
+                <p:oleObj spid="_x0000_s31080" name="Equation" r:id="rId9" imgW="139680" imgH="203040" progId="Equation.3">
                   <p:embed/>
                 </p:oleObj>
               </mc:Choice>
@@ -50341,7 +49616,7 @@
           <a:graphicData uri="http://schemas.openxmlformats.org/presentationml/2006/ole">
             <mc:AlternateContent xmlns:mc="http://schemas.openxmlformats.org/markup-compatibility/2006">
               <mc:Choice xmlns:v="urn:schemas-microsoft-com:vml" Requires="v">
-                <p:oleObj spid="_x0000_s30982" name="Equation" r:id="rId10" imgW="139680" imgH="203040" progId="Equation.3">
+                <p:oleObj spid="_x0000_s31081" name="Equation" r:id="rId10" imgW="139680" imgH="203040" progId="Equation.3">
                   <p:embed/>
                 </p:oleObj>
               </mc:Choice>
@@ -50742,19 +50017,8 @@
                 <a:latin typeface="PFDinTextCompPro-Italic"/>
                 <a:cs typeface="PFDinTextCompPro-Italic"/>
               </a:rPr>
-              <a:t>transformation of the response </a:t>
-            </a:r>
-            <a:r>
-              <a:rPr lang="en-US" sz="3000" b="1" dirty="0" smtClean="0">
-                <a:latin typeface="PFDinTextCompPro-Italic"/>
-                <a:cs typeface="PFDinTextCompPro-Italic"/>
-              </a:rPr>
-              <a:t>variable.</a:t>
-            </a:r>
-            <a:endParaRPr lang="en-US" sz="3000" b="1" dirty="0" smtClean="0">
-              <a:latin typeface="PFDinTextCompPro-Italic"/>
-              <a:cs typeface="PFDinTextCompPro-Italic"/>
-            </a:endParaRPr>
+              <a:t>transformation of the response variable.</a:t>
+            </a:r>
           </a:p>
           <a:p>
             <a:pPr algn="l"/>
@@ -50770,14 +50034,7 @@
                 <a:latin typeface="PFDinTextCompPro-Italic"/>
                 <a:cs typeface="PFDinTextCompPro-Italic"/>
               </a:rPr>
-              <a:t>Coefficients now correspond to percentage change in response variable, rather than unit change</a:t>
-            </a:r>
-            <a:r>
-              <a:rPr lang="en-US" sz="3000" dirty="0" smtClean="0">
-                <a:latin typeface="PFDinTextCompPro-Italic"/>
-                <a:cs typeface="PFDinTextCompPro-Italic"/>
-              </a:rPr>
-              <a:t>.</a:t>
+              <a:t>Coefficients now correspond to percentage change in response variable, rather than unit change.</a:t>
             </a:r>
           </a:p>
         </p:txBody>
@@ -50934,19 +50191,8 @@
                 <a:latin typeface="PFDinTextCompPro-Italic"/>
                 <a:cs typeface="PFDinTextCompPro-Italic"/>
               </a:rPr>
-              <a:t>Option #2: Use Weighted Least </a:t>
-            </a:r>
-            <a:r>
-              <a:rPr lang="en-US" sz="3000" b="1" dirty="0" smtClean="0">
-                <a:latin typeface="PFDinTextCompPro-Italic"/>
-                <a:cs typeface="PFDinTextCompPro-Italic"/>
-              </a:rPr>
-              <a:t>Squares.</a:t>
-            </a:r>
-            <a:endParaRPr lang="en-US" sz="3000" b="1" dirty="0" smtClean="0">
-              <a:latin typeface="PFDinTextCompPro-Italic"/>
-              <a:cs typeface="PFDinTextCompPro-Italic"/>
-            </a:endParaRPr>
+              <a:t>Option #2: Use Weighted Least Squares.</a:t>
+            </a:r>
           </a:p>
           <a:p>
             <a:pPr algn="l"/>
@@ -50962,19 +50208,8 @@
                 <a:latin typeface="PFDinTextCompPro-Italic"/>
                 <a:cs typeface="PFDinTextCompPro-Italic"/>
               </a:rPr>
-              <a:t>The weights themselves are an input to the model. </a:t>
-            </a:r>
-            <a:r>
-              <a:rPr lang="en-US" sz="3000" dirty="0" smtClean="0">
-                <a:latin typeface="PFDinTextCompPro-Italic"/>
-                <a:cs typeface="PFDinTextCompPro-Italic"/>
-              </a:rPr>
-              <a:t>This typically means observations with greater deviation contribute less to estimates associated with the coefficients.</a:t>
-            </a:r>
-            <a:endParaRPr lang="en-US" sz="3000" dirty="0" smtClean="0">
-              <a:latin typeface="PFDinTextCompPro-Italic"/>
-              <a:cs typeface="PFDinTextCompPro-Italic"/>
-            </a:endParaRPr>
+              <a:t>The weights themselves are an input to the model. This typically means observations with greater deviation contribute less to estimates associated with the coefficients.</a:t>
+            </a:r>
           </a:p>
         </p:txBody>
       </p:sp>
@@ -51142,7 +50377,7 @@
               <a:t> + </a:t>
             </a:r>
             <a:r>
-              <a:rPr lang="en-US" sz="2800" i="1" dirty="0">
+              <a:rPr lang="en-US" sz="2800" i="1" dirty="0" smtClean="0">
                 <a:latin typeface="Symbol" charset="2"/>
                 <a:cs typeface="Symbol" charset="2"/>
               </a:rPr>
@@ -51712,19 +50947,8 @@
                 <a:latin typeface="PFDinTextCompPro-Italic"/>
                 <a:cs typeface="PFDinTextCompPro-Italic"/>
               </a:rPr>
-              <a:t>A: Create a k-1 binary (“dummy”) </a:t>
-            </a:r>
-            <a:r>
-              <a:rPr lang="en-US" sz="3000" dirty="0" smtClean="0">
-                <a:latin typeface="PFDinTextCompPro-Italic"/>
-                <a:cs typeface="PFDinTextCompPro-Italic"/>
-              </a:rPr>
-              <a:t>variables.</a:t>
-            </a:r>
-            <a:endParaRPr lang="en-US" sz="3000" dirty="0" smtClean="0">
-              <a:latin typeface="PFDinTextCompPro-Italic"/>
-              <a:cs typeface="PFDinTextCompPro-Italic"/>
-            </a:endParaRPr>
+              <a:t>A: Create a k-1 binary (“dummy”) variables.</a:t>
+            </a:r>
           </a:p>
         </p:txBody>
       </p:sp>
@@ -52558,14 +51782,7 @@
                 <a:latin typeface="PFDinTextCompPro-Italic"/>
                 <a:cs typeface="PFDinTextCompPro-Italic"/>
               </a:rPr>
-              <a:t>A: Because k-1 captures all possible outputs, and to avoid </a:t>
-            </a:r>
-            <a:r>
-              <a:rPr lang="en-US" sz="3000" dirty="0" smtClean="0">
-                <a:latin typeface="PFDinTextCompPro-Italic"/>
-                <a:cs typeface="PFDinTextCompPro-Italic"/>
-              </a:rPr>
-              <a:t>multicollinearity.</a:t>
+              <a:t>A: Because k-1 captures all possible outputs, and to avoid multicollinearity.</a:t>
             </a:r>
           </a:p>
         </p:txBody>
@@ -52708,14 +51925,7 @@
                 <a:latin typeface="PFDinTextCompPro-Italic"/>
                 <a:cs typeface="PFDinTextCompPro-Italic"/>
               </a:rPr>
-              <a:t>A: Because k-1 captures all possible outputs, and to avoid </a:t>
-            </a:r>
-            <a:r>
-              <a:rPr lang="en-US" sz="3000" dirty="0" smtClean="0">
-                <a:latin typeface="PFDinTextCompPro-Italic"/>
-                <a:cs typeface="PFDinTextCompPro-Italic"/>
-              </a:rPr>
-              <a:t>multicollinearity.</a:t>
+              <a:t>A: Because k-1 captures all possible outputs, and to avoid multicollinearity.</a:t>
             </a:r>
           </a:p>
           <a:p>
@@ -52896,14 +52106,7 @@
                 <a:latin typeface="PFDinTextCompPro-Italic"/>
                 <a:cs typeface="PFDinTextCompPro-Italic"/>
               </a:rPr>
-              <a:t>A: Because k-1 captures all possible outputs, and to avoid </a:t>
-            </a:r>
-            <a:r>
-              <a:rPr lang="en-US" sz="3000" dirty="0" smtClean="0">
-                <a:latin typeface="PFDinTextCompPro-Italic"/>
-                <a:cs typeface="PFDinTextCompPro-Italic"/>
-              </a:rPr>
-              <a:t>multicollinearity.</a:t>
+              <a:t>A: Because k-1 captures all possible outputs, and to avoid multicollinearity.</a:t>
             </a:r>
           </a:p>
           <a:p>
@@ -53093,7 +52296,7 @@
         <p:spPr>
           <a:xfrm>
             <a:off x="566737" y="1104900"/>
-            <a:ext cx="8382000" cy="3724096"/>
+            <a:ext cx="8382000" cy="1477328"/>
           </a:xfrm>
           <a:prstGeom prst="rect">
             <a:avLst/>
@@ -53112,7 +52315,7 @@
                 <a:latin typeface="PFDinTextCompPro-Italic"/>
                 <a:cs typeface="PFDinTextCompPro-Italic"/>
               </a:rPr>
-              <a:t>Q: Why k-1 and not k?</a:t>
+              <a:t>Q: Is this the only way to represent categorical data?</a:t>
             </a:r>
           </a:p>
           <a:p>
@@ -53122,98 +52325,15 @@
                 <a:latin typeface="PFDinTextCompPro-Italic"/>
                 <a:cs typeface="PFDinTextCompPro-Italic"/>
               </a:rPr>
-              <a:t>A: Because k-1 captures all possible outputs, and to avoid </a:t>
-            </a:r>
-            <a:r>
-              <a:rPr lang="en-US" sz="3000" dirty="0" smtClean="0">
-                <a:latin typeface="PFDinTextCompPro-Italic"/>
-                <a:cs typeface="PFDinTextCompPro-Italic"/>
-              </a:rPr>
-              <a:t>multicollinearity.</a:t>
-            </a:r>
-          </a:p>
-          <a:p>
-            <a:pPr algn="l"/>
-            <a:endParaRPr lang="en-US" sz="1200" dirty="0">
-              <a:latin typeface="PFDinTextCompPro-Italic"/>
-              <a:cs typeface="PFDinTextCompPro-Italic"/>
-            </a:endParaRPr>
-          </a:p>
-          <a:p>
-            <a:pPr algn="l"/>
-            <a:r>
-              <a:rPr lang="en-US" sz="3000" dirty="0">
-                <a:latin typeface="PFDinTextCompPro-Italic"/>
-                <a:cs typeface="PFDinTextCompPro-Italic"/>
-              </a:rPr>
-              <a:t>Q: Does it matter which factor level I leave out?</a:t>
-            </a:r>
-          </a:p>
-          <a:p>
-            <a:pPr algn="l"/>
-            <a:r>
-              <a:rPr lang="en-US" sz="3000" dirty="0">
-                <a:latin typeface="PFDinTextCompPro-Italic"/>
-                <a:cs typeface="PFDinTextCompPro-Italic"/>
-              </a:rPr>
-              <a:t>A: Yes, this is the reference point for all other factor </a:t>
-            </a:r>
-            <a:r>
-              <a:rPr lang="en-US" sz="3000" dirty="0" smtClean="0">
-                <a:latin typeface="PFDinTextCompPro-Italic"/>
-                <a:cs typeface="PFDinTextCompPro-Italic"/>
-              </a:rPr>
-              <a:t>levels.</a:t>
-            </a:r>
-            <a:endParaRPr lang="en-US" sz="3000" dirty="0">
-              <a:latin typeface="PFDinTextCompPro-Italic"/>
-              <a:cs typeface="PFDinTextCompPro-Italic"/>
-            </a:endParaRPr>
-          </a:p>
-          <a:p>
-            <a:pPr algn="l"/>
-            <a:endParaRPr lang="en-US" sz="1600" dirty="0">
-              <a:latin typeface="PFDinTextCompPro-Italic"/>
-              <a:cs typeface="PFDinTextCompPro-Italic"/>
-            </a:endParaRPr>
-          </a:p>
-          <a:p>
-            <a:pPr algn="l"/>
-            <a:r>
-              <a:rPr lang="en-US" sz="3000" dirty="0">
-                <a:latin typeface="PFDinTextCompPro-Italic"/>
-                <a:cs typeface="PFDinTextCompPro-Italic"/>
-              </a:rPr>
-              <a:t>Q: Is this a limitation? </a:t>
-            </a:r>
-          </a:p>
-          <a:p>
-            <a:pPr algn="l"/>
-            <a:r>
-              <a:rPr lang="en-US" sz="3000" dirty="0">
-                <a:latin typeface="PFDinTextCompPro-Italic"/>
-                <a:cs typeface="PFDinTextCompPro-Italic"/>
-              </a:rPr>
-              <a:t>A: Not really, a comparison must have a baseline</a:t>
-            </a:r>
-            <a:r>
-              <a:rPr lang="en-US" sz="3000" dirty="0" smtClean="0">
-                <a:latin typeface="PFDinTextCompPro-Italic"/>
-                <a:cs typeface="PFDinTextCompPro-Italic"/>
-              </a:rPr>
-              <a:t>.</a:t>
-            </a:r>
-            <a:endParaRPr lang="en-US" sz="3000" dirty="0">
-              <a:latin typeface="PFDinTextCompPro-Italic"/>
-              <a:cs typeface="PFDinTextCompPro-Italic"/>
-            </a:endParaRPr>
+              <a:t>A: This is the conventional way to represent nominal data, however, ordinal data can be represented with integers.</a:t>
+            </a:r>
           </a:p>
         </p:txBody>
       </p:sp>
     </p:spTree>
     <p:extLst>
       <p:ext uri="{BB962C8B-B14F-4D97-AF65-F5344CB8AC3E}">
-        <p14:creationId xmlns:p14="http://schemas.microsoft.com/office/powerpoint/2010/main" val="3532720582"/>
+        <p14:creationId xmlns:p14="http://schemas.microsoft.com/office/powerpoint/2010/main" val="4071161692"/>
       </p:ext>
     </p:extLst>
   </p:cSld>
@@ -53338,47 +52458,18 @@
                 <a:latin typeface="PFDinTextCompPro-Italic"/>
                 <a:cs typeface="PFDinTextCompPro-Italic"/>
               </a:rPr>
-              <a:t>Q: </a:t>
-            </a:r>
+              <a:t>Q: Is this the only way to represent categorical data?</a:t>
+            </a:r>
+          </a:p>
+          <a:p>
+            <a:pPr algn="l"/>
             <a:r>
               <a:rPr lang="en-US" sz="3000" dirty="0" smtClean="0">
                 <a:latin typeface="PFDinTextCompPro-Italic"/>
                 <a:cs typeface="PFDinTextCompPro-Italic"/>
               </a:rPr>
-              <a:t>Is this the only way to represent categorical data?</a:t>
-            </a:r>
-            <a:endParaRPr lang="en-US" sz="3000" dirty="0" smtClean="0">
-              <a:latin typeface="PFDinTextCompPro-Italic"/>
-              <a:cs typeface="PFDinTextCompPro-Italic"/>
-            </a:endParaRPr>
-          </a:p>
-          <a:p>
-            <a:pPr algn="l"/>
-            <a:r>
-              <a:rPr lang="en-US" sz="3000" dirty="0" smtClean="0">
-                <a:latin typeface="PFDinTextCompPro-Italic"/>
-                <a:cs typeface="PFDinTextCompPro-Italic"/>
-              </a:rPr>
-              <a:t>A: </a:t>
-            </a:r>
-            <a:r>
-              <a:rPr lang="en-US" sz="3000" dirty="0" smtClean="0">
-                <a:latin typeface="PFDinTextCompPro-Italic"/>
-                <a:cs typeface="PFDinTextCompPro-Italic"/>
-              </a:rPr>
-              <a:t>Thi</a:t>
-            </a:r>
-            <a:r>
-              <a:rPr lang="en-US" sz="3000" dirty="0" smtClean="0">
-                <a:latin typeface="PFDinTextCompPro-Italic"/>
-                <a:cs typeface="PFDinTextCompPro-Italic"/>
-              </a:rPr>
-              <a:t>s is the conventional way to represent nominal data, however, ordinal data can be represented with integers.</a:t>
-            </a:r>
-            <a:endParaRPr lang="en-US" sz="3000" dirty="0" smtClean="0">
-              <a:latin typeface="PFDinTextCompPro-Italic"/>
-              <a:cs typeface="PFDinTextCompPro-Italic"/>
-            </a:endParaRPr>
+              <a:t>A: This is the conventional way to represent nominal data, however, ordinal data can be represented with integers.</a:t>
+            </a:r>
           </a:p>
           <a:p>
             <a:pPr algn="l"/>
@@ -53435,771 +52526,6 @@
     <p:extLst>
       <p:ext uri="{BB962C8B-B14F-4D97-AF65-F5344CB8AC3E}">
         <p14:creationId xmlns:p14="http://schemas.microsoft.com/office/powerpoint/2010/main" val="2018365107"/>
-      </p:ext>
-    </p:extLst>
-  </p:cSld>
-  <p:clrMapOvr>
-    <a:masterClrMapping/>
-  </p:clrMapOvr>
-  <p:transition/>
-  <p:timing>
-    <p:tnLst>
-      <p:par>
-        <p:cTn id="1" dur="indefinite" restart="never" nodeType="tmRoot"/>
-      </p:par>
-    </p:tnLst>
-  </p:timing>
-</p:sld>
-</file>
-
-<file path=ppt/slides/slide78.xml><?xml version="1.0" encoding="utf-8"?>
-<p:sld xmlns:a="http://schemas.openxmlformats.org/drawingml/2006/main" xmlns:r="http://schemas.openxmlformats.org/officeDocument/2006/relationships" xmlns:p="http://schemas.openxmlformats.org/presentationml/2006/main">
-  <p:cSld>
-    <p:spTree>
-      <p:nvGrpSpPr>
-        <p:cNvPr id="1" name=""/>
-        <p:cNvGrpSpPr/>
-        <p:nvPr/>
-      </p:nvGrpSpPr>
-      <p:grpSpPr>
-        <a:xfrm>
-          <a:off x="0" y="0"/>
-          <a:ext cx="0" cy="0"/>
-          <a:chOff x="0" y="0"/>
-          <a:chExt cx="0" cy="0"/>
-        </a:xfrm>
-      </p:grpSpPr>
-      <p:sp>
-        <p:nvSpPr>
-          <p:cNvPr id="4" name="Content Placeholder 3"/>
-          <p:cNvSpPr>
-            <a:spLocks noGrp="1"/>
-          </p:cNvSpPr>
-          <p:nvPr>
-            <p:ph sz="quarter" idx="11"/>
-          </p:nvPr>
-        </p:nvSpPr>
-        <p:spPr>
-          <a:xfrm>
-            <a:off x="414337" y="495300"/>
-            <a:ext cx="6400800" cy="304800"/>
-          </a:xfrm>
-        </p:spPr>
-        <p:txBody>
-          <a:bodyPr/>
-          <a:lstStyle/>
-          <a:p>
-            <a:pPr eaLnBrk="1" hangingPunct="1">
-              <a:lnSpc>
-                <a:spcPts val="2448"/>
-              </a:lnSpc>
-              <a:defRPr/>
-            </a:pPr>
-            <a:r>
-              <a:rPr lang="en-US" dirty="0" smtClean="0"/>
-              <a:t>LINEAR REGRESSION</a:t>
-            </a:r>
-            <a:endParaRPr lang="en-US" dirty="0"/>
-          </a:p>
-        </p:txBody>
-      </p:sp>
-      <p:sp>
-        <p:nvSpPr>
-          <p:cNvPr id="8" name="Slide Number Placeholder 3"/>
-          <p:cNvSpPr>
-            <a:spLocks noGrp="1"/>
-          </p:cNvSpPr>
-          <p:nvPr>
-            <p:ph type="sldNum" sz="quarter" idx="13"/>
-          </p:nvPr>
-        </p:nvSpPr>
-        <p:spPr/>
-        <p:txBody>
-          <a:bodyPr/>
-          <a:lstStyle/>
-          <a:p>
-            <a:pPr>
-              <a:defRPr/>
-            </a:pPr>
-            <a:fld id="{BD5AD749-DAD1-6A4A-A2AA-CB20EAD0AEB7}" type="slidenum">
-              <a:rPr lang="en-US"/>
-              <a:pPr>
-                <a:defRPr/>
-              </a:pPr>
-              <a:t>78</a:t>
-            </a:fld>
-            <a:endParaRPr lang="en-US"/>
-          </a:p>
-        </p:txBody>
-      </p:sp>
-      <p:sp>
-        <p:nvSpPr>
-          <p:cNvPr id="7" name="TextBox 6"/>
-          <p:cNvSpPr txBox="1"/>
-          <p:nvPr/>
-        </p:nvSpPr>
-        <p:spPr>
-          <a:xfrm>
-            <a:off x="566736" y="1104900"/>
-            <a:ext cx="4114801" cy="3416320"/>
-          </a:xfrm>
-          <a:prstGeom prst="rect">
-            <a:avLst/>
-          </a:prstGeom>
-          <a:noFill/>
-        </p:spPr>
-        <p:txBody>
-          <a:bodyPr wrap="square" rtlCol="0">
-            <a:spAutoFit/>
-          </a:bodyPr>
-          <a:lstStyle/>
-          <a:p>
-            <a:pPr algn="l"/>
-            <a:r>
-              <a:rPr lang="en-US" sz="2400" b="1" dirty="0" smtClean="0">
-                <a:latin typeface="PFDinTextCompPro-Italic"/>
-                <a:cs typeface="PFDinTextCompPro-Italic"/>
-              </a:rPr>
-              <a:t>What we covered:</a:t>
-            </a:r>
-          </a:p>
-          <a:p>
-            <a:pPr marL="342900" indent="-342900" algn="l">
-              <a:buFontTx/>
-              <a:buChar char="-"/>
-            </a:pPr>
-            <a:r>
-              <a:rPr lang="en-US" sz="2400" dirty="0" smtClean="0">
-                <a:latin typeface="PFDinTextCompPro-Italic"/>
-                <a:cs typeface="PFDinTextCompPro-Italic"/>
-              </a:rPr>
-              <a:t>Basic Form</a:t>
-            </a:r>
-          </a:p>
-          <a:p>
-            <a:pPr marL="342900" indent="-342900" algn="l">
-              <a:buFontTx/>
-              <a:buChar char="-"/>
-            </a:pPr>
-            <a:r>
-              <a:rPr lang="en-US" sz="2400" dirty="0" smtClean="0">
-                <a:latin typeface="PFDinTextCompPro-Italic"/>
-                <a:cs typeface="PFDinTextCompPro-Italic"/>
-              </a:rPr>
-              <a:t>Estimating Coefficients</a:t>
-            </a:r>
-          </a:p>
-          <a:p>
-            <a:pPr marL="342900" indent="-342900" algn="l">
-              <a:buFontTx/>
-              <a:buChar char="-"/>
-            </a:pPr>
-            <a:r>
-              <a:rPr lang="en-US" sz="2400" dirty="0" smtClean="0">
-                <a:latin typeface="PFDinTextCompPro-Italic"/>
-                <a:cs typeface="PFDinTextCompPro-Italic"/>
-              </a:rPr>
-              <a:t>Interpreting Coefficient Significance</a:t>
-            </a:r>
-          </a:p>
-          <a:p>
-            <a:pPr marL="342900" indent="-342900" algn="l">
-              <a:buFontTx/>
-              <a:buChar char="-"/>
-            </a:pPr>
-            <a:r>
-              <a:rPr lang="en-US" sz="2400" dirty="0" smtClean="0">
-                <a:latin typeface="PFDinTextCompPro-Italic"/>
-                <a:cs typeface="PFDinTextCompPro-Italic"/>
-              </a:rPr>
-              <a:t>Confidence Intervals</a:t>
-            </a:r>
-          </a:p>
-          <a:p>
-            <a:pPr marL="342900" indent="-342900" algn="l">
-              <a:buFontTx/>
-              <a:buChar char="-"/>
-            </a:pPr>
-            <a:r>
-              <a:rPr lang="en-US" sz="2400" dirty="0" smtClean="0">
-                <a:latin typeface="PFDinTextCompPro-Italic"/>
-                <a:cs typeface="PFDinTextCompPro-Italic"/>
-              </a:rPr>
-              <a:t>R</a:t>
-            </a:r>
-            <a:r>
-              <a:rPr lang="en-US" sz="2400" baseline="30000" dirty="0" smtClean="0">
-                <a:latin typeface="PFDinTextCompPro-Italic"/>
-                <a:cs typeface="PFDinTextCompPro-Italic"/>
-              </a:rPr>
-              <a:t>2</a:t>
-            </a:r>
-            <a:r>
-              <a:rPr lang="en-US" sz="2400" dirty="0" smtClean="0">
-                <a:latin typeface="PFDinTextCompPro-Italic"/>
-                <a:cs typeface="PFDinTextCompPro-Italic"/>
-              </a:rPr>
-              <a:t> </a:t>
-            </a:r>
-            <a:r>
-              <a:rPr lang="en-US" sz="2400" dirty="0">
-                <a:latin typeface="PFDinTextCompPro-Italic"/>
-                <a:cs typeface="PFDinTextCompPro-Italic"/>
-              </a:rPr>
-              <a:t>and Adjusted R</a:t>
-            </a:r>
-            <a:r>
-              <a:rPr lang="en-US" sz="2400" baseline="30000" dirty="0">
-                <a:latin typeface="PFDinTextCompPro-Italic"/>
-                <a:cs typeface="PFDinTextCompPro-Italic"/>
-              </a:rPr>
-              <a:t>2</a:t>
-            </a:r>
-            <a:endParaRPr lang="en-US" sz="2400" dirty="0" smtClean="0">
-              <a:latin typeface="PFDinTextCompPro-Italic"/>
-              <a:cs typeface="PFDinTextCompPro-Italic"/>
-            </a:endParaRPr>
-          </a:p>
-          <a:p>
-            <a:pPr marL="342900" indent="-342900" algn="l">
-              <a:buFontTx/>
-              <a:buChar char="-"/>
-            </a:pPr>
-            <a:r>
-              <a:rPr lang="en-US" sz="2400" dirty="0">
-                <a:latin typeface="PFDinTextCompPro-Italic"/>
-                <a:cs typeface="PFDinTextCompPro-Italic"/>
-              </a:rPr>
-              <a:t>H</a:t>
-            </a:r>
-            <a:r>
-              <a:rPr lang="en-US" sz="2400" dirty="0" smtClean="0">
-                <a:latin typeface="PFDinTextCompPro-Italic"/>
-                <a:cs typeface="PFDinTextCompPro-Italic"/>
-              </a:rPr>
-              <a:t>eteroskedasticity</a:t>
-            </a:r>
-            <a:endParaRPr lang="en-US" sz="2400" dirty="0" smtClean="0">
-              <a:latin typeface="PFDinTextCompPro-Italic"/>
-              <a:cs typeface="PFDinTextCompPro-Italic"/>
-            </a:endParaRPr>
-          </a:p>
-          <a:p>
-            <a:pPr marL="342900" indent="-342900" algn="l">
-              <a:buFontTx/>
-              <a:buChar char="-"/>
-            </a:pPr>
-            <a:r>
-              <a:rPr lang="en-US" sz="2400" dirty="0" smtClean="0">
-                <a:latin typeface="PFDinTextCompPro-Italic"/>
-                <a:cs typeface="PFDinTextCompPro-Italic"/>
-              </a:rPr>
-              <a:t>Multicollinearity</a:t>
-            </a:r>
-          </a:p>
-          <a:p>
-            <a:pPr marL="342900" indent="-342900" algn="l">
-              <a:buFontTx/>
-              <a:buChar char="-"/>
-            </a:pPr>
-            <a:r>
-              <a:rPr lang="en-US" sz="2400" dirty="0" smtClean="0">
-                <a:latin typeface="PFDinTextCompPro-Italic"/>
-                <a:cs typeface="PFDinTextCompPro-Italic"/>
-              </a:rPr>
-              <a:t>Categorical Variables</a:t>
-            </a:r>
-            <a:endParaRPr lang="en-US" sz="2400" dirty="0">
-              <a:latin typeface="PFDinTextCompPro-Italic"/>
-              <a:cs typeface="PFDinTextCompPro-Italic"/>
-            </a:endParaRPr>
-          </a:p>
-        </p:txBody>
-      </p:sp>
-    </p:spTree>
-    <p:extLst>
-      <p:ext uri="{BB962C8B-B14F-4D97-AF65-F5344CB8AC3E}">
-        <p14:creationId xmlns:p14="http://schemas.microsoft.com/office/powerpoint/2010/main" val="4003188618"/>
-      </p:ext>
-    </p:extLst>
-  </p:cSld>
-  <p:clrMapOvr>
-    <a:masterClrMapping/>
-  </p:clrMapOvr>
-  <p:transition/>
-  <p:timing>
-    <p:tnLst>
-      <p:par>
-        <p:cTn id="1" dur="indefinite" restart="never" nodeType="tmRoot"/>
-      </p:par>
-    </p:tnLst>
-  </p:timing>
-</p:sld>
-</file>
-
-<file path=ppt/slides/slide79.xml><?xml version="1.0" encoding="utf-8"?>
-<p:sld xmlns:a="http://schemas.openxmlformats.org/drawingml/2006/main" xmlns:r="http://schemas.openxmlformats.org/officeDocument/2006/relationships" xmlns:p="http://schemas.openxmlformats.org/presentationml/2006/main">
-  <p:cSld>
-    <p:spTree>
-      <p:nvGrpSpPr>
-        <p:cNvPr id="1" name=""/>
-        <p:cNvGrpSpPr/>
-        <p:nvPr/>
-      </p:nvGrpSpPr>
-      <p:grpSpPr>
-        <a:xfrm>
-          <a:off x="0" y="0"/>
-          <a:ext cx="0" cy="0"/>
-          <a:chOff x="0" y="0"/>
-          <a:chExt cx="0" cy="0"/>
-        </a:xfrm>
-      </p:grpSpPr>
-      <p:sp>
-        <p:nvSpPr>
-          <p:cNvPr id="4" name="Content Placeholder 3"/>
-          <p:cNvSpPr>
-            <a:spLocks noGrp="1"/>
-          </p:cNvSpPr>
-          <p:nvPr>
-            <p:ph sz="quarter" idx="11"/>
-          </p:nvPr>
-        </p:nvSpPr>
-        <p:spPr>
-          <a:xfrm>
-            <a:off x="414337" y="495300"/>
-            <a:ext cx="6400800" cy="304800"/>
-          </a:xfrm>
-        </p:spPr>
-        <p:txBody>
-          <a:bodyPr/>
-          <a:lstStyle/>
-          <a:p>
-            <a:pPr eaLnBrk="1" hangingPunct="1">
-              <a:lnSpc>
-                <a:spcPts val="2448"/>
-              </a:lnSpc>
-              <a:defRPr/>
-            </a:pPr>
-            <a:r>
-              <a:rPr lang="en-US" dirty="0" smtClean="0"/>
-              <a:t>LINEAR REGRESSION</a:t>
-            </a:r>
-            <a:endParaRPr lang="en-US" dirty="0"/>
-          </a:p>
-        </p:txBody>
-      </p:sp>
-      <p:sp>
-        <p:nvSpPr>
-          <p:cNvPr id="8" name="Slide Number Placeholder 3"/>
-          <p:cNvSpPr>
-            <a:spLocks noGrp="1"/>
-          </p:cNvSpPr>
-          <p:nvPr>
-            <p:ph type="sldNum" sz="quarter" idx="13"/>
-          </p:nvPr>
-        </p:nvSpPr>
-        <p:spPr/>
-        <p:txBody>
-          <a:bodyPr/>
-          <a:lstStyle/>
-          <a:p>
-            <a:pPr>
-              <a:defRPr/>
-            </a:pPr>
-            <a:fld id="{BD5AD749-DAD1-6A4A-A2AA-CB20EAD0AEB7}" type="slidenum">
-              <a:rPr lang="en-US"/>
-              <a:pPr>
-                <a:defRPr/>
-              </a:pPr>
-              <a:t>79</a:t>
-            </a:fld>
-            <a:endParaRPr lang="en-US"/>
-          </a:p>
-        </p:txBody>
-      </p:sp>
-      <p:sp>
-        <p:nvSpPr>
-          <p:cNvPr id="7" name="TextBox 6"/>
-          <p:cNvSpPr txBox="1"/>
-          <p:nvPr/>
-        </p:nvSpPr>
-        <p:spPr>
-          <a:xfrm>
-            <a:off x="566736" y="1104900"/>
-            <a:ext cx="4114801" cy="3416320"/>
-          </a:xfrm>
-          <a:prstGeom prst="rect">
-            <a:avLst/>
-          </a:prstGeom>
-          <a:noFill/>
-        </p:spPr>
-        <p:txBody>
-          <a:bodyPr wrap="square" rtlCol="0">
-            <a:spAutoFit/>
-          </a:bodyPr>
-          <a:lstStyle/>
-          <a:p>
-            <a:pPr algn="l"/>
-            <a:r>
-              <a:rPr lang="en-US" sz="2400" b="1" dirty="0" smtClean="0">
-                <a:latin typeface="PFDinTextCompPro-Italic"/>
-                <a:cs typeface="PFDinTextCompPro-Italic"/>
-              </a:rPr>
-              <a:t>What we covered:</a:t>
-            </a:r>
-          </a:p>
-          <a:p>
-            <a:pPr marL="342900" indent="-342900" algn="l">
-              <a:buFontTx/>
-              <a:buChar char="-"/>
-            </a:pPr>
-            <a:r>
-              <a:rPr lang="en-US" sz="2400" dirty="0" smtClean="0">
-                <a:latin typeface="PFDinTextCompPro-Italic"/>
-                <a:cs typeface="PFDinTextCompPro-Italic"/>
-              </a:rPr>
-              <a:t>Basic Form</a:t>
-            </a:r>
-          </a:p>
-          <a:p>
-            <a:pPr marL="342900" indent="-342900" algn="l">
-              <a:buFontTx/>
-              <a:buChar char="-"/>
-            </a:pPr>
-            <a:r>
-              <a:rPr lang="en-US" sz="2400" dirty="0" smtClean="0">
-                <a:latin typeface="PFDinTextCompPro-Italic"/>
-                <a:cs typeface="PFDinTextCompPro-Italic"/>
-              </a:rPr>
-              <a:t>Estimating Coefficients</a:t>
-            </a:r>
-          </a:p>
-          <a:p>
-            <a:pPr marL="342900" indent="-342900" algn="l">
-              <a:buFontTx/>
-              <a:buChar char="-"/>
-            </a:pPr>
-            <a:r>
-              <a:rPr lang="en-US" sz="2400" dirty="0" smtClean="0">
-                <a:latin typeface="PFDinTextCompPro-Italic"/>
-                <a:cs typeface="PFDinTextCompPro-Italic"/>
-              </a:rPr>
-              <a:t>Interpreting Coefficient Significance</a:t>
-            </a:r>
-          </a:p>
-          <a:p>
-            <a:pPr marL="342900" indent="-342900" algn="l">
-              <a:buFontTx/>
-              <a:buChar char="-"/>
-            </a:pPr>
-            <a:r>
-              <a:rPr lang="en-US" sz="2400" dirty="0" smtClean="0">
-                <a:latin typeface="PFDinTextCompPro-Italic"/>
-                <a:cs typeface="PFDinTextCompPro-Italic"/>
-              </a:rPr>
-              <a:t>Confidence Intervals</a:t>
-            </a:r>
-          </a:p>
-          <a:p>
-            <a:pPr marL="342900" indent="-342900" algn="l">
-              <a:buFontTx/>
-              <a:buChar char="-"/>
-            </a:pPr>
-            <a:r>
-              <a:rPr lang="en-US" sz="2400" dirty="0" smtClean="0">
-                <a:latin typeface="PFDinTextCompPro-Italic"/>
-                <a:cs typeface="PFDinTextCompPro-Italic"/>
-              </a:rPr>
-              <a:t>R</a:t>
-            </a:r>
-            <a:r>
-              <a:rPr lang="en-US" sz="2400" baseline="30000" dirty="0" smtClean="0">
-                <a:latin typeface="PFDinTextCompPro-Italic"/>
-                <a:cs typeface="PFDinTextCompPro-Italic"/>
-              </a:rPr>
-              <a:t>2</a:t>
-            </a:r>
-            <a:r>
-              <a:rPr lang="en-US" sz="2400" dirty="0" smtClean="0">
-                <a:latin typeface="PFDinTextCompPro-Italic"/>
-                <a:cs typeface="PFDinTextCompPro-Italic"/>
-              </a:rPr>
-              <a:t> </a:t>
-            </a:r>
-            <a:r>
-              <a:rPr lang="en-US" sz="2400" dirty="0">
-                <a:latin typeface="PFDinTextCompPro-Italic"/>
-                <a:cs typeface="PFDinTextCompPro-Italic"/>
-              </a:rPr>
-              <a:t>and Adjusted R</a:t>
-            </a:r>
-            <a:r>
-              <a:rPr lang="en-US" sz="2400" baseline="30000" dirty="0">
-                <a:latin typeface="PFDinTextCompPro-Italic"/>
-                <a:cs typeface="PFDinTextCompPro-Italic"/>
-              </a:rPr>
-              <a:t>2</a:t>
-            </a:r>
-            <a:endParaRPr lang="en-US" sz="2400" dirty="0" smtClean="0">
-              <a:latin typeface="PFDinTextCompPro-Italic"/>
-              <a:cs typeface="PFDinTextCompPro-Italic"/>
-            </a:endParaRPr>
-          </a:p>
-          <a:p>
-            <a:pPr marL="342900" indent="-342900" algn="l">
-              <a:buFontTx/>
-              <a:buChar char="-"/>
-            </a:pPr>
-            <a:r>
-              <a:rPr lang="en-US" sz="2400" dirty="0">
-                <a:latin typeface="PFDinTextCompPro-Italic"/>
-                <a:cs typeface="PFDinTextCompPro-Italic"/>
-              </a:rPr>
-              <a:t>H</a:t>
-            </a:r>
-            <a:r>
-              <a:rPr lang="en-US" sz="2400" dirty="0" smtClean="0">
-                <a:latin typeface="PFDinTextCompPro-Italic"/>
-                <a:cs typeface="PFDinTextCompPro-Italic"/>
-              </a:rPr>
-              <a:t>eteroskedasticity</a:t>
-            </a:r>
-            <a:endParaRPr lang="en-US" sz="2400" dirty="0" smtClean="0">
-              <a:latin typeface="PFDinTextCompPro-Italic"/>
-              <a:cs typeface="PFDinTextCompPro-Italic"/>
-            </a:endParaRPr>
-          </a:p>
-          <a:p>
-            <a:pPr marL="342900" indent="-342900" algn="l">
-              <a:buFontTx/>
-              <a:buChar char="-"/>
-            </a:pPr>
-            <a:r>
-              <a:rPr lang="en-US" sz="2400" dirty="0" smtClean="0">
-                <a:latin typeface="PFDinTextCompPro-Italic"/>
-                <a:cs typeface="PFDinTextCompPro-Italic"/>
-              </a:rPr>
-              <a:t>Multicollinearity</a:t>
-            </a:r>
-          </a:p>
-          <a:p>
-            <a:pPr marL="342900" indent="-342900" algn="l">
-              <a:buFontTx/>
-              <a:buChar char="-"/>
-            </a:pPr>
-            <a:r>
-              <a:rPr lang="en-US" sz="2400" dirty="0" smtClean="0">
-                <a:latin typeface="PFDinTextCompPro-Italic"/>
-                <a:cs typeface="PFDinTextCompPro-Italic"/>
-              </a:rPr>
-              <a:t>Categorical Variables</a:t>
-            </a:r>
-            <a:endParaRPr lang="en-US" sz="2400" dirty="0">
-              <a:latin typeface="PFDinTextCompPro-Italic"/>
-              <a:cs typeface="PFDinTextCompPro-Italic"/>
-            </a:endParaRPr>
-          </a:p>
-        </p:txBody>
-      </p:sp>
-      <p:sp>
-        <p:nvSpPr>
-          <p:cNvPr id="2" name="Rectangle 1"/>
-          <p:cNvSpPr/>
-          <p:nvPr/>
-        </p:nvSpPr>
-        <p:spPr>
-          <a:xfrm>
-            <a:off x="4681538" y="1104900"/>
-            <a:ext cx="4267199" cy="3785652"/>
-          </a:xfrm>
-          <a:prstGeom prst="rect">
-            <a:avLst/>
-          </a:prstGeom>
-          <a:noFill/>
-        </p:spPr>
-        <p:txBody>
-          <a:bodyPr wrap="square" rtlCol="0">
-            <a:spAutoFit/>
-          </a:bodyPr>
-          <a:lstStyle/>
-          <a:p>
-            <a:pPr algn="l"/>
-            <a:r>
-              <a:rPr lang="en-US" sz="2400" b="1" dirty="0">
-                <a:latin typeface="PFDinTextCompPro-Italic"/>
-                <a:cs typeface="PFDinTextCompPro-Italic"/>
-              </a:rPr>
-              <a:t>What did we not </a:t>
-            </a:r>
-            <a:r>
-              <a:rPr lang="en-US" sz="2400" b="1" dirty="0" smtClean="0">
-                <a:latin typeface="PFDinTextCompPro-Italic"/>
-                <a:cs typeface="PFDinTextCompPro-Italic"/>
-              </a:rPr>
-              <a:t>cover:</a:t>
-            </a:r>
-            <a:endParaRPr lang="en-US" sz="2400" b="1" dirty="0">
-              <a:latin typeface="PFDinTextCompPro-Italic"/>
-              <a:cs typeface="PFDinTextCompPro-Italic"/>
-            </a:endParaRPr>
-          </a:p>
-          <a:p>
-            <a:pPr marL="342900" indent="-342900" algn="l">
-              <a:buFontTx/>
-              <a:buChar char="-"/>
-            </a:pPr>
-            <a:r>
-              <a:rPr lang="en-US" sz="2400" dirty="0" smtClean="0">
-                <a:latin typeface="PFDinTextCompPro-Italic"/>
-                <a:cs typeface="PFDinTextCompPro-Italic"/>
-              </a:rPr>
-              <a:t>The </a:t>
-            </a:r>
-            <a:r>
-              <a:rPr lang="en-US" sz="2400" dirty="0">
-                <a:latin typeface="PFDinTextCompPro-Italic"/>
-                <a:cs typeface="PFDinTextCompPro-Italic"/>
-              </a:rPr>
-              <a:t>F and t </a:t>
-            </a:r>
-            <a:r>
-              <a:rPr lang="en-US" sz="2400" dirty="0" smtClean="0">
-                <a:latin typeface="PFDinTextCompPro-Italic"/>
-                <a:cs typeface="PFDinTextCompPro-Italic"/>
-              </a:rPr>
-              <a:t>Distributions</a:t>
-            </a:r>
-            <a:endParaRPr lang="en-US" sz="2400" dirty="0" smtClean="0">
-              <a:latin typeface="PFDinTextCompPro-Italic"/>
-              <a:cs typeface="PFDinTextCompPro-Italic"/>
-            </a:endParaRPr>
-          </a:p>
-          <a:p>
-            <a:pPr marL="342900" indent="-342900" algn="l">
-              <a:buFontTx/>
-              <a:buChar char="-"/>
-            </a:pPr>
-            <a:r>
-              <a:rPr lang="en-US" sz="2400" dirty="0" smtClean="0">
-                <a:latin typeface="PFDinTextCompPro-Italic"/>
-                <a:cs typeface="PFDinTextCompPro-Italic"/>
-              </a:rPr>
-              <a:t>Deriving </a:t>
-            </a:r>
-            <a:r>
-              <a:rPr lang="en-US" sz="2400" dirty="0">
-                <a:latin typeface="PFDinTextCompPro-Italic"/>
-                <a:cs typeface="PFDinTextCompPro-Italic"/>
-              </a:rPr>
-              <a:t>the line that minimizes the squared </a:t>
-            </a:r>
-            <a:r>
-              <a:rPr lang="en-US" sz="2400" dirty="0" smtClean="0">
-                <a:latin typeface="PFDinTextCompPro-Italic"/>
-                <a:cs typeface="PFDinTextCompPro-Italic"/>
-              </a:rPr>
-              <a:t>error</a:t>
-            </a:r>
-          </a:p>
-          <a:p>
-            <a:pPr marL="342900" indent="-342900" algn="l">
-              <a:buFontTx/>
-              <a:buChar char="-"/>
-            </a:pPr>
-            <a:r>
-              <a:rPr lang="en-US" sz="2400" dirty="0" smtClean="0">
-                <a:latin typeface="PFDinTextCompPro-Italic"/>
-                <a:cs typeface="PFDinTextCompPro-Italic"/>
-              </a:rPr>
-              <a:t>Statistical independence of errors</a:t>
-            </a:r>
-            <a:endParaRPr lang="en-US" sz="2400" dirty="0" smtClean="0">
-              <a:latin typeface="PFDinTextCompPro-Italic"/>
-              <a:cs typeface="PFDinTextCompPro-Italic"/>
-            </a:endParaRPr>
-          </a:p>
-          <a:p>
-            <a:pPr marL="342900" indent="-342900" algn="l">
-              <a:buFontTx/>
-              <a:buChar char="-"/>
-            </a:pPr>
-            <a:r>
-              <a:rPr lang="en-US" sz="2400" dirty="0" smtClean="0">
-                <a:latin typeface="PFDinTextCompPro-Italic"/>
-                <a:cs typeface="PFDinTextCompPro-Italic"/>
-              </a:rPr>
-              <a:t>Normality of error distribution</a:t>
-            </a:r>
-          </a:p>
-          <a:p>
-            <a:pPr marL="342900" indent="-342900" algn="l">
-              <a:buFontTx/>
-              <a:buChar char="-"/>
-            </a:pPr>
-            <a:r>
-              <a:rPr lang="en-US" sz="2400" dirty="0" smtClean="0">
-                <a:latin typeface="PFDinTextCompPro-Italic"/>
-                <a:cs typeface="PFDinTextCompPro-Italic"/>
-              </a:rPr>
-              <a:t>Log-Log / Lin-Log interpretation</a:t>
-            </a:r>
-          </a:p>
-          <a:p>
-            <a:pPr marL="342900" indent="-342900" algn="l">
-              <a:buFontTx/>
-              <a:buChar char="-"/>
-            </a:pPr>
-            <a:r>
-              <a:rPr lang="en-US" sz="2400" dirty="0" smtClean="0">
-                <a:latin typeface="PFDinTextCompPro-Italic"/>
-                <a:cs typeface="PFDinTextCompPro-Italic"/>
-              </a:rPr>
-              <a:t>Polynomial </a:t>
-            </a:r>
-            <a:r>
-              <a:rPr lang="en-US" sz="2400" dirty="0">
-                <a:latin typeface="PFDinTextCompPro-Italic"/>
-                <a:cs typeface="PFDinTextCompPro-Italic"/>
-              </a:rPr>
-              <a:t>Regression</a:t>
-            </a:r>
-          </a:p>
-          <a:p>
-            <a:pPr marL="342900" indent="-342900" algn="l">
-              <a:buFontTx/>
-              <a:buChar char="-"/>
-            </a:pPr>
-            <a:r>
-              <a:rPr lang="en-US" sz="2400" dirty="0" smtClean="0">
-                <a:latin typeface="PFDinTextCompPro-Italic"/>
-                <a:cs typeface="PFDinTextCompPro-Italic"/>
-              </a:rPr>
-              <a:t>Stepwise Regression</a:t>
-            </a:r>
-          </a:p>
-          <a:p>
-            <a:pPr marL="342900" indent="-342900" algn="l">
-              <a:buFontTx/>
-              <a:buChar char="-"/>
-            </a:pPr>
-            <a:r>
-              <a:rPr lang="en-US" sz="2400" dirty="0" smtClean="0">
-                <a:latin typeface="PFDinTextCompPro-Italic"/>
-                <a:cs typeface="PFDinTextCompPro-Italic"/>
-              </a:rPr>
-              <a:t>Regularization</a:t>
-            </a:r>
-            <a:endParaRPr lang="en-US" sz="2400" dirty="0">
-              <a:latin typeface="PFDinTextCompPro-Italic"/>
-              <a:cs typeface="PFDinTextCompPro-Italic"/>
-            </a:endParaRPr>
-          </a:p>
-        </p:txBody>
-      </p:sp>
-    </p:spTree>
-    <p:extLst>
-      <p:ext uri="{BB962C8B-B14F-4D97-AF65-F5344CB8AC3E}">
-        <p14:creationId xmlns:p14="http://schemas.microsoft.com/office/powerpoint/2010/main" val="1160929277"/>
       </p:ext>
     </p:extLst>
   </p:cSld>

--- a/slides/06_linear_regression.pptx
+++ b/slides/06_linear_regression.pptx
@@ -310,7 +310,7 @@
           <a:p>
             <a:fld id="{DB92F479-4B50-F243-9713-1B12EC2B4BDB}" type="datetimeFigureOut">
               <a:rPr lang="en-US" smtClean="0"/>
-              <a:t>10/25/2014</a:t>
+              <a:t>10/29/2014</a:t>
             </a:fld>
             <a:endParaRPr lang="en-US"/>
           </a:p>
@@ -20143,15 +20143,7 @@
             </a:br>
             <a:r>
               <a:rPr lang="en-US" sz="6000" dirty="0" smtClean="0"/>
-              <a:t>Class </a:t>
-            </a:r>
-            <a:r>
-              <a:rPr lang="en-US" sz="6000" dirty="0" smtClean="0"/>
-              <a:t>6: </a:t>
-            </a:r>
-            <a:r>
-              <a:rPr lang="en-US" sz="6000" dirty="0" smtClean="0"/>
-              <a:t>Linear regression</a:t>
+              <a:t>Class 6: Linear regression</a:t>
             </a:r>
             <a:endParaRPr lang="en-US" sz="6000" dirty="0"/>
           </a:p>
@@ -23936,7 +23928,7 @@
           <a:graphicData uri="http://schemas.openxmlformats.org/presentationml/2006/ole">
             <mc:AlternateContent xmlns:mc="http://schemas.openxmlformats.org/markup-compatibility/2006">
               <mc:Choice xmlns:v="urn:schemas-microsoft-com:vml" Requires="v">
-                <p:oleObj spid="_x0000_s28815" name="Equation" r:id="rId4" imgW="253800" imgH="241200" progId="Equation.3">
+                <p:oleObj spid="_x0000_s28816" name="Equation" r:id="rId4" imgW="253800" imgH="241200" progId="Equation.3">
                   <p:embed/>
                 </p:oleObj>
               </mc:Choice>
@@ -24900,7 +24892,7 @@
               </a14:hiddenLine>
             </a:ext>
             <a:ext uri="{FAA26D3D-D897-4be2-8F04-BA451C77F1D7}">
-              <ma14:placeholderFlag xmlns="" xmlns:ma14="http://schemas.microsoft.com/office/mac/drawingml/2011/main" val="1"/>
+              <ma14:placeholderFlag xmlns:ma14="http://schemas.microsoft.com/office/mac/drawingml/2011/main" xmlns="" val="1"/>
             </a:ext>
           </a:extLst>
         </p:spPr>
@@ -24999,15 +24991,7 @@
                 <a:ea typeface="ヒラギノ角ゴ ProN W6" charset="0"/>
                 <a:cs typeface="ヒラギノ角ゴ ProN W6" charset="0"/>
               </a:rPr>
-              <a:t>IV. 	CATEGORICAL </a:t>
-            </a:r>
-            <a:r>
-              <a:rPr lang="en-US" sz="3000" dirty="0" smtClean="0">
-                <a:latin typeface="PFDinTextCompPro-Bold" charset="0"/>
-                <a:ea typeface="ヒラギノ角ゴ ProN W6" charset="0"/>
-                <a:cs typeface="ヒラギノ角ゴ ProN W6" charset="0"/>
-              </a:rPr>
-              <a:t>VARIABLES</a:t>
+              <a:t>IV. 	CATEGORICAL VARIABLES</a:t>
             </a:r>
             <a:endParaRPr lang="en-US" sz="3000" cap="none" dirty="0">
               <a:latin typeface="PFDinTextCompPro-Bold" charset="0"/>
@@ -29469,7 +29453,7 @@
           <a:graphicData uri="http://schemas.openxmlformats.org/presentationml/2006/ole">
             <mc:AlternateContent xmlns:mc="http://schemas.openxmlformats.org/markup-compatibility/2006">
               <mc:Choice xmlns:v="urn:schemas-microsoft-com:vml" Requires="v">
-                <p:oleObj spid="_x0000_s38971" name="Equation" r:id="rId4" imgW="1549080" imgH="330120" progId="Equation.3">
+                <p:oleObj spid="_x0000_s38972" name="Equation" r:id="rId4" imgW="1549080" imgH="330120" progId="Equation.3">
                   <p:embed/>
                 </p:oleObj>
               </mc:Choice>
@@ -31066,7 +31050,7 @@
           <a:graphicData uri="http://schemas.openxmlformats.org/presentationml/2006/ole">
             <mc:AlternateContent xmlns:mc="http://schemas.openxmlformats.org/markup-compatibility/2006">
               <mc:Choice xmlns:v="urn:schemas-microsoft-com:vml" Requires="v">
-                <p:oleObj spid="_x0000_s41004" name="Equation" r:id="rId4" imgW="1549080" imgH="330120" progId="Equation.3">
+                <p:oleObj spid="_x0000_s41005" name="Equation" r:id="rId4" imgW="1549080" imgH="330120" progId="Equation.3">
                   <p:embed/>
                 </p:oleObj>
               </mc:Choice>
@@ -31305,7 +31289,7 @@
           <a:graphicData uri="http://schemas.openxmlformats.org/presentationml/2006/ole">
             <mc:AlternateContent xmlns:mc="http://schemas.openxmlformats.org/markup-compatibility/2006">
               <mc:Choice xmlns:v="urn:schemas-microsoft-com:vml" Requires="v">
-                <p:oleObj spid="_x0000_s18606" name="Equation" r:id="rId4" imgW="1155600" imgH="241200" progId="Equation.3">
+                <p:oleObj spid="_x0000_s18607" name="Equation" r:id="rId4" imgW="1155600" imgH="241200" progId="Equation.3">
                   <p:embed/>
                 </p:oleObj>
               </mc:Choice>
@@ -31489,7 +31473,7 @@
           <a:graphicData uri="http://schemas.openxmlformats.org/presentationml/2006/ole">
             <mc:AlternateContent xmlns:mc="http://schemas.openxmlformats.org/markup-compatibility/2006">
               <mc:Choice xmlns:v="urn:schemas-microsoft-com:vml" Requires="v">
-                <p:oleObj spid="_x0000_s19782" name="Equation" r:id="rId4" imgW="1041120" imgH="1143000" progId="Equation.3">
+                <p:oleObj spid="_x0000_s19784" name="Equation" r:id="rId4" imgW="1041120" imgH="1143000" progId="Equation.3">
                   <p:embed/>
                 </p:oleObj>
               </mc:Choice>
@@ -31553,7 +31537,7 @@
           <a:graphicData uri="http://schemas.openxmlformats.org/presentationml/2006/ole">
             <mc:AlternateContent xmlns:mc="http://schemas.openxmlformats.org/markup-compatibility/2006">
               <mc:Choice xmlns:v="urn:schemas-microsoft-com:vml" Requires="v">
-                <p:oleObj spid="_x0000_s19783" name="Equation" r:id="rId6" imgW="761760" imgH="1143000" progId="Equation.3">
+                <p:oleObj spid="_x0000_s19785" name="Equation" r:id="rId6" imgW="761760" imgH="1143000" progId="Equation.3">
                   <p:embed/>
                 </p:oleObj>
               </mc:Choice>
@@ -31788,7 +31772,7 @@
           <a:graphicData uri="http://schemas.openxmlformats.org/presentationml/2006/ole">
             <mc:AlternateContent xmlns:mc="http://schemas.openxmlformats.org/markup-compatibility/2006">
               <mc:Choice xmlns:v="urn:schemas-microsoft-com:vml" Requires="v">
-                <p:oleObj spid="_x0000_s21824" name="Equation" r:id="rId4" imgW="4851360" imgH="1143000" progId="Equation.3">
+                <p:oleObj spid="_x0000_s21826" name="Equation" r:id="rId4" imgW="4851360" imgH="1143000" progId="Equation.3">
                   <p:embed/>
                 </p:oleObj>
               </mc:Choice>
@@ -31852,7 +31836,7 @@
           <a:graphicData uri="http://schemas.openxmlformats.org/presentationml/2006/ole">
             <mc:AlternateContent xmlns:mc="http://schemas.openxmlformats.org/markup-compatibility/2006">
               <mc:Choice xmlns:v="urn:schemas-microsoft-com:vml" Requires="v">
-                <p:oleObj spid="_x0000_s21825" name="Equation" r:id="rId6" imgW="1155600" imgH="241200" progId="Equation.3">
+                <p:oleObj spid="_x0000_s21827" name="Equation" r:id="rId6" imgW="1155600" imgH="241200" progId="Equation.3">
                   <p:embed/>
                 </p:oleObj>
               </mc:Choice>
@@ -32139,7 +32123,7 @@
           <a:graphicData uri="http://schemas.openxmlformats.org/presentationml/2006/ole">
             <mc:AlternateContent xmlns:mc="http://schemas.openxmlformats.org/markup-compatibility/2006">
               <mc:Choice xmlns:v="urn:schemas-microsoft-com:vml" Requires="v">
-                <p:oleObj spid="_x0000_s25900" name="Equation" r:id="rId4" imgW="4851360" imgH="1143000" progId="Equation.3">
+                <p:oleObj spid="_x0000_s25902" name="Equation" r:id="rId4" imgW="4851360" imgH="1143000" progId="Equation.3">
                   <p:embed/>
                 </p:oleObj>
               </mc:Choice>
@@ -32203,7 +32187,7 @@
           <a:graphicData uri="http://schemas.openxmlformats.org/presentationml/2006/ole">
             <mc:AlternateContent xmlns:mc="http://schemas.openxmlformats.org/markup-compatibility/2006">
               <mc:Choice xmlns:v="urn:schemas-microsoft-com:vml" Requires="v">
-                <p:oleObj spid="_x0000_s25901" name="Equation" r:id="rId6" imgW="1155600" imgH="241200" progId="Equation.3">
+                <p:oleObj spid="_x0000_s25903" name="Equation" r:id="rId6" imgW="1155600" imgH="241200" progId="Equation.3">
                   <p:embed/>
                 </p:oleObj>
               </mc:Choice>
@@ -32671,7 +32655,7 @@
           <a:graphicData uri="http://schemas.openxmlformats.org/presentationml/2006/ole">
             <mc:AlternateContent xmlns:mc="http://schemas.openxmlformats.org/markup-compatibility/2006">
               <mc:Choice xmlns:v="urn:schemas-microsoft-com:vml" Requires="v">
-                <p:oleObj spid="_x0000_s23000" name="Equation" r:id="rId4" imgW="3835080" imgH="507960" progId="Equation.3">
+                <p:oleObj spid="_x0000_s23003" name="Equation" r:id="rId4" imgW="3835080" imgH="507960" progId="Equation.3">
                   <p:embed/>
                 </p:oleObj>
               </mc:Choice>
@@ -32735,7 +32719,7 @@
           <a:graphicData uri="http://schemas.openxmlformats.org/presentationml/2006/ole">
             <mc:AlternateContent xmlns:mc="http://schemas.openxmlformats.org/markup-compatibility/2006">
               <mc:Choice xmlns:v="urn:schemas-microsoft-com:vml" Requires="v">
-                <p:oleObj spid="_x0000_s23001" name="Equation" r:id="rId6" imgW="1155600" imgH="241200" progId="Equation.3">
+                <p:oleObj spid="_x0000_s23004" name="Equation" r:id="rId6" imgW="1155600" imgH="241200" progId="Equation.3">
                   <p:embed/>
                 </p:oleObj>
               </mc:Choice>
@@ -33016,7 +33000,7 @@
           <a:graphicData uri="http://schemas.openxmlformats.org/presentationml/2006/ole">
             <mc:AlternateContent xmlns:mc="http://schemas.openxmlformats.org/markup-compatibility/2006">
               <mc:Choice xmlns:v="urn:schemas-microsoft-com:vml" Requires="v">
-                <p:oleObj spid="_x0000_s23002" name="Equation" r:id="rId8" imgW="1981080" imgH="393480" progId="Equation.3">
+                <p:oleObj spid="_x0000_s23005" name="Equation" r:id="rId8" imgW="1981080" imgH="393480" progId="Equation.3">
                   <p:embed/>
                 </p:oleObj>
               </mc:Choice>
@@ -33387,7 +33371,7 @@
           <a:graphicData uri="http://schemas.openxmlformats.org/presentationml/2006/ole">
             <mc:AlternateContent xmlns:mc="http://schemas.openxmlformats.org/markup-compatibility/2006">
               <mc:Choice xmlns:v="urn:schemas-microsoft-com:vml" Requires="v">
-                <p:oleObj spid="_x0000_s24906" name="Equation" r:id="rId4" imgW="3949560" imgH="1143000" progId="Equation.3">
+                <p:oleObj spid="_x0000_s24908" name="Equation" r:id="rId4" imgW="3949560" imgH="1143000" progId="Equation.3">
                   <p:embed/>
                 </p:oleObj>
               </mc:Choice>
@@ -33451,7 +33435,7 @@
           <a:graphicData uri="http://schemas.openxmlformats.org/presentationml/2006/ole">
             <mc:AlternateContent xmlns:mc="http://schemas.openxmlformats.org/markup-compatibility/2006">
               <mc:Choice xmlns:v="urn:schemas-microsoft-com:vml" Requires="v">
-                <p:oleObj spid="_x0000_s24907" name="Equation" r:id="rId6" imgW="1155600" imgH="241200" progId="Equation.3">
+                <p:oleObj spid="_x0000_s24909" name="Equation" r:id="rId6" imgW="1155600" imgH="241200" progId="Equation.3">
                   <p:embed/>
                 </p:oleObj>
               </mc:Choice>
@@ -33687,7 +33671,7 @@
           <a:graphicData uri="http://schemas.openxmlformats.org/presentationml/2006/ole">
             <mc:AlternateContent xmlns:mc="http://schemas.openxmlformats.org/markup-compatibility/2006">
               <mc:Choice xmlns:v="urn:schemas-microsoft-com:vml" Requires="v">
-                <p:oleObj spid="_x0000_s27939" name="Equation" r:id="rId4" imgW="1155600" imgH="241200" progId="Equation.3">
+                <p:oleObj spid="_x0000_s27941" name="Equation" r:id="rId4" imgW="1155600" imgH="241200" progId="Equation.3">
                   <p:embed/>
                 </p:oleObj>
               </mc:Choice>
@@ -33770,7 +33754,7 @@
           <a:graphicData uri="http://schemas.openxmlformats.org/presentationml/2006/ole">
             <mc:AlternateContent xmlns:mc="http://schemas.openxmlformats.org/markup-compatibility/2006">
               <mc:Choice xmlns:v="urn:schemas-microsoft-com:vml" Requires="v">
-                <p:oleObj spid="_x0000_s27940" name="Equation" r:id="rId6" imgW="3429000" imgH="507960" progId="Equation.3">
+                <p:oleObj spid="_x0000_s27942" name="Equation" r:id="rId6" imgW="3429000" imgH="507960" progId="Equation.3">
                   <p:embed/>
                 </p:oleObj>
               </mc:Choice>
@@ -36410,7 +36394,7 @@
           <a:graphicData uri="http://schemas.openxmlformats.org/presentationml/2006/ole">
             <mc:AlternateContent xmlns:mc="http://schemas.openxmlformats.org/markup-compatibility/2006">
               <mc:Choice xmlns:v="urn:schemas-microsoft-com:vml" Requires="v">
-                <p:oleObj spid="_x0000_s35993" name="Equation" r:id="rId4" imgW="190440" imgH="266400" progId="Equation.3">
+                <p:oleObj spid="_x0000_s35995" name="Equation" r:id="rId4" imgW="190440" imgH="266400" progId="Equation.3">
                   <p:embed/>
                 </p:oleObj>
               </mc:Choice>
@@ -36493,7 +36477,7 @@
           <a:graphicData uri="http://schemas.openxmlformats.org/presentationml/2006/ole">
             <mc:AlternateContent xmlns:mc="http://schemas.openxmlformats.org/markup-compatibility/2006">
               <mc:Choice xmlns:v="urn:schemas-microsoft-com:vml" Requires="v">
-                <p:oleObj spid="_x0000_s35994" name="Equation" r:id="rId6" imgW="177480" imgH="215640" progId="Equation.3">
+                <p:oleObj spid="_x0000_s35996" name="Equation" r:id="rId6" imgW="177480" imgH="215640" progId="Equation.3">
                   <p:embed/>
                 </p:oleObj>
               </mc:Choice>
@@ -38147,7 +38131,7 @@
           <a:graphicData uri="http://schemas.openxmlformats.org/presentationml/2006/ole">
             <mc:AlternateContent xmlns:mc="http://schemas.openxmlformats.org/markup-compatibility/2006">
               <mc:Choice xmlns:v="urn:schemas-microsoft-com:vml" Requires="v">
-                <p:oleObj spid="_x0000_s37008" name="Equation" r:id="rId4" imgW="190440" imgH="266400" progId="Equation.3">
+                <p:oleObj spid="_x0000_s37010" name="Equation" r:id="rId4" imgW="190440" imgH="266400" progId="Equation.3">
                   <p:embed/>
                 </p:oleObj>
               </mc:Choice>
@@ -38230,7 +38214,7 @@
           <a:graphicData uri="http://schemas.openxmlformats.org/presentationml/2006/ole">
             <mc:AlternateContent xmlns:mc="http://schemas.openxmlformats.org/markup-compatibility/2006">
               <mc:Choice xmlns:v="urn:schemas-microsoft-com:vml" Requires="v">
-                <p:oleObj spid="_x0000_s37009" name="Equation" r:id="rId6" imgW="177480" imgH="215640" progId="Equation.3">
+                <p:oleObj spid="_x0000_s37011" name="Equation" r:id="rId6" imgW="177480" imgH="215640" progId="Equation.3">
                   <p:embed/>
                 </p:oleObj>
               </mc:Choice>
@@ -39345,7 +39329,7 @@
           <a:graphicData uri="http://schemas.openxmlformats.org/presentationml/2006/ole">
             <mc:AlternateContent xmlns:mc="http://schemas.openxmlformats.org/markup-compatibility/2006">
               <mc:Choice xmlns:v="urn:schemas-microsoft-com:vml" Requires="v">
-                <p:oleObj spid="_x0000_s1213" name="Equation" r:id="rId4" imgW="1942920" imgH="558720" progId="Equation.3">
+                <p:oleObj spid="_x0000_s1215" name="Equation" r:id="rId4" imgW="1942920" imgH="558720" progId="Equation.3">
                   <p:embed/>
                 </p:oleObj>
               </mc:Choice>
@@ -40818,7 +40802,7 @@
           <a:graphicData uri="http://schemas.openxmlformats.org/presentationml/2006/ole">
             <mc:AlternateContent xmlns:mc="http://schemas.openxmlformats.org/markup-compatibility/2006">
               <mc:Choice xmlns:v="urn:schemas-microsoft-com:vml" Requires="v">
-                <p:oleObj spid="_x0000_s32866" name="Equation" r:id="rId4" imgW="1942920" imgH="558720" progId="Equation.3">
+                <p:oleObj spid="_x0000_s32867" name="Equation" r:id="rId4" imgW="1942920" imgH="558720" progId="Equation.3">
                   <p:embed/>
                 </p:oleObj>
               </mc:Choice>
@@ -43482,7 +43466,7 @@
           <a:graphicData uri="http://schemas.openxmlformats.org/presentationml/2006/ole">
             <mc:AlternateContent xmlns:mc="http://schemas.openxmlformats.org/markup-compatibility/2006">
               <mc:Choice xmlns:v="urn:schemas-microsoft-com:vml" Requires="v">
-                <p:oleObj spid="_x0000_s33895" name="Equation" r:id="rId4" imgW="1942920" imgH="558720" progId="Equation.3">
+                <p:oleObj spid="_x0000_s33896" name="Equation" r:id="rId4" imgW="1942920" imgH="558720" progId="Equation.3">
                   <p:embed/>
                 </p:oleObj>
               </mc:Choice>
@@ -44783,7 +44767,7 @@
           <a:graphicData uri="http://schemas.openxmlformats.org/presentationml/2006/ole">
             <mc:AlternateContent xmlns:mc="http://schemas.openxmlformats.org/markup-compatibility/2006">
               <mc:Choice xmlns:v="urn:schemas-microsoft-com:vml" Requires="v">
-                <p:oleObj spid="_x0000_s40046" name="Equation" r:id="rId4" imgW="2158920" imgH="419040" progId="Equation.3">
+                <p:oleObj spid="_x0000_s40048" name="Equation" r:id="rId4" imgW="2158920" imgH="419040" progId="Equation.3">
                   <p:embed/>
                 </p:oleObj>
               </mc:Choice>
@@ -44866,7 +44850,7 @@
           <a:graphicData uri="http://schemas.openxmlformats.org/presentationml/2006/ole">
             <mc:AlternateContent xmlns:mc="http://schemas.openxmlformats.org/markup-compatibility/2006">
               <mc:Choice xmlns:v="urn:schemas-microsoft-com:vml" Requires="v">
-                <p:oleObj spid="_x0000_s40047" name="Equation" r:id="rId6" imgW="2158920" imgH="342720" progId="Equation.3">
+                <p:oleObj spid="_x0000_s40049" name="Equation" r:id="rId6" imgW="2158920" imgH="342720" progId="Equation.3">
                   <p:embed/>
                 </p:oleObj>
               </mc:Choice>
@@ -47126,7 +47110,7 @@
           <a:graphicData uri="http://schemas.openxmlformats.org/presentationml/2006/ole">
             <mc:AlternateContent xmlns:mc="http://schemas.openxmlformats.org/markup-compatibility/2006">
               <mc:Choice xmlns:v="urn:schemas-microsoft-com:vml" Requires="v">
-                <p:oleObj spid="_x0000_s9414" name="Equation" r:id="rId4" imgW="863280" imgH="444240" progId="Equation.3">
+                <p:oleObj spid="_x0000_s9415" name="Equation" r:id="rId4" imgW="863280" imgH="444240" progId="Equation.3">
                   <p:embed/>
                 </p:oleObj>
               </mc:Choice>
@@ -47540,7 +47524,7 @@
           <a:graphicData uri="http://schemas.openxmlformats.org/presentationml/2006/ole">
             <mc:AlternateContent xmlns:mc="http://schemas.openxmlformats.org/markup-compatibility/2006">
               <mc:Choice xmlns:v="urn:schemas-microsoft-com:vml" Requires="v">
-                <p:oleObj spid="_x0000_s10441" name="Equation" r:id="rId4" imgW="2755800" imgH="596880" progId="Equation.3">
+                <p:oleObj spid="_x0000_s10442" name="Equation" r:id="rId4" imgW="2755800" imgH="596880" progId="Equation.3">
                   <p:embed/>
                 </p:oleObj>
               </mc:Choice>
@@ -48468,7 +48452,7 @@
           <a:graphicData uri="http://schemas.openxmlformats.org/presentationml/2006/ole">
             <mc:AlternateContent xmlns:mc="http://schemas.openxmlformats.org/markup-compatibility/2006">
               <mc:Choice xmlns:v="urn:schemas-microsoft-com:vml" Requires="v">
-                <p:oleObj spid="_x0000_s11839" name="Equation" r:id="rId7" imgW="139680" imgH="203040" progId="Equation.3">
+                <p:oleObj spid="_x0000_s11842" name="Equation" r:id="rId7" imgW="139680" imgH="203040" progId="Equation.3">
                   <p:embed/>
                 </p:oleObj>
               </mc:Choice>
@@ -48551,7 +48535,7 @@
           <a:graphicData uri="http://schemas.openxmlformats.org/presentationml/2006/ole">
             <mc:AlternateContent xmlns:mc="http://schemas.openxmlformats.org/markup-compatibility/2006">
               <mc:Choice xmlns:v="urn:schemas-microsoft-com:vml" Requires="v">
-                <p:oleObj spid="_x0000_s11840" name="Equation" r:id="rId9" imgW="139680" imgH="203040" progId="Equation.3">
+                <p:oleObj spid="_x0000_s11843" name="Equation" r:id="rId9" imgW="139680" imgH="203040" progId="Equation.3">
                   <p:embed/>
                 </p:oleObj>
               </mc:Choice>
@@ -48634,7 +48618,7 @@
           <a:graphicData uri="http://schemas.openxmlformats.org/presentationml/2006/ole">
             <mc:AlternateContent xmlns:mc="http://schemas.openxmlformats.org/markup-compatibility/2006">
               <mc:Choice xmlns:v="urn:schemas-microsoft-com:vml" Requires="v">
-                <p:oleObj spid="_x0000_s11841" name="Equation" r:id="rId10" imgW="139680" imgH="203040" progId="Equation.3">
+                <p:oleObj spid="_x0000_s11844" name="Equation" r:id="rId10" imgW="139680" imgH="203040" progId="Equation.3">
                   <p:embed/>
                 </p:oleObj>
               </mc:Choice>
@@ -49450,7 +49434,7 @@
           <a:graphicData uri="http://schemas.openxmlformats.org/presentationml/2006/ole">
             <mc:AlternateContent xmlns:mc="http://schemas.openxmlformats.org/markup-compatibility/2006">
               <mc:Choice xmlns:v="urn:schemas-microsoft-com:vml" Requires="v">
-                <p:oleObj spid="_x0000_s31079" name="Equation" r:id="rId7" imgW="139680" imgH="203040" progId="Equation.3">
+                <p:oleObj spid="_x0000_s31082" name="Equation" r:id="rId7" imgW="139680" imgH="203040" progId="Equation.3">
                   <p:embed/>
                 </p:oleObj>
               </mc:Choice>
@@ -49533,7 +49517,7 @@
           <a:graphicData uri="http://schemas.openxmlformats.org/presentationml/2006/ole">
             <mc:AlternateContent xmlns:mc="http://schemas.openxmlformats.org/markup-compatibility/2006">
               <mc:Choice xmlns:v="urn:schemas-microsoft-com:vml" Requires="v">
-                <p:oleObj spid="_x0000_s31080" name="Equation" r:id="rId9" imgW="139680" imgH="203040" progId="Equation.3">
+                <p:oleObj spid="_x0000_s31083" name="Equation" r:id="rId9" imgW="139680" imgH="203040" progId="Equation.3">
                   <p:embed/>
                 </p:oleObj>
               </mc:Choice>
@@ -49616,7 +49600,7 @@
           <a:graphicData uri="http://schemas.openxmlformats.org/presentationml/2006/ole">
             <mc:AlternateContent xmlns:mc="http://schemas.openxmlformats.org/markup-compatibility/2006">
               <mc:Choice xmlns:v="urn:schemas-microsoft-com:vml" Requires="v">
-                <p:oleObj spid="_x0000_s31081" name="Equation" r:id="rId10" imgW="139680" imgH="203040" progId="Equation.3">
+                <p:oleObj spid="_x0000_s31084" name="Equation" r:id="rId10" imgW="139680" imgH="203040" progId="Equation.3">
                   <p:embed/>
                 </p:oleObj>
               </mc:Choice>
